--- a/doc/ManualImages.pptx
+++ b/doc/ManualImages.pptx
@@ -5,10 +5,11 @@
     <p:sldMasterId id="2147483672" r:id="rId1"/>
   </p:sldMasterIdLst>
   <p:notesMasterIdLst>
-    <p:notesMasterId r:id="rId3"/>
+    <p:notesMasterId r:id="rId4"/>
   </p:notesMasterIdLst>
   <p:sldIdLst>
-    <p:sldId id="256" r:id="rId2"/>
+    <p:sldId id="257" r:id="rId2"/>
+    <p:sldId id="256" r:id="rId3"/>
   </p:sldIdLst>
   <p:sldSz cx="12192000" cy="4697413"/>
   <p:notesSz cx="6858000" cy="9144000"/>
@@ -107,6 +108,11 @@
       </a:defRPr>
     </a:lvl9pPr>
   </p:defaultTextStyle>
+  <p:extLst>
+    <p:ext uri="{EFAFB233-063F-42B5-8137-9DF3F51BA10A}">
+      <p15:sldGuideLst xmlns:p15="http://schemas.microsoft.com/office/powerpoint/2012/main"/>
+    </p:ext>
+  </p:extLst>
 </p:presentation>
 </file>
 
@@ -582,7 +588,7 @@
           <a:p>
             <a:fld id="{5AC7BA9B-9978-453A-B878-9C5B4806D039}" type="slidenum">
               <a:rPr lang="en-US" smtClean="0"/>
-              <a:t>1</a:t>
+              <a:t>2</a:t>
             </a:fld>
             <a:endParaRPr lang="en-US"/>
           </a:p>
@@ -3446,6 +3452,209 @@
 </file>
 
 <file path=ppt/slides/slide1.xml><?xml version="1.0" encoding="utf-8"?>
+<p:sld xmlns:a="http://schemas.openxmlformats.org/drawingml/2006/main" xmlns:r="http://schemas.openxmlformats.org/officeDocument/2006/relationships" xmlns:p="http://schemas.openxmlformats.org/presentationml/2006/main">
+  <p:cSld>
+    <p:spTree>
+      <p:nvGrpSpPr>
+        <p:cNvPr id="1" name=""/>
+        <p:cNvGrpSpPr/>
+        <p:nvPr/>
+      </p:nvGrpSpPr>
+      <p:grpSpPr>
+        <a:xfrm>
+          <a:off x="0" y="0"/>
+          <a:ext cx="0" cy="0"/>
+          <a:chOff x="0" y="0"/>
+          <a:chExt cx="0" cy="0"/>
+        </a:xfrm>
+      </p:grpSpPr>
+      <p:grpSp>
+        <p:nvGrpSpPr>
+          <p:cNvPr id="6" name="Grupo 5">
+            <a:extLst>
+              <a:ext uri="{FF2B5EF4-FFF2-40B4-BE49-F238E27FC236}">
+                <a16:creationId xmlns:a16="http://schemas.microsoft.com/office/drawing/2014/main" id="{950ABCA3-FB4B-6075-8B34-7F5C6E3FFAB7}"/>
+              </a:ext>
+            </a:extLst>
+          </p:cNvPr>
+          <p:cNvGrpSpPr/>
+          <p:nvPr/>
+        </p:nvGrpSpPr>
+        <p:grpSpPr>
+          <a:xfrm>
+            <a:off x="617943" y="593895"/>
+            <a:ext cx="11093101" cy="2400657"/>
+            <a:chOff x="617943" y="270045"/>
+            <a:chExt cx="11093101" cy="2400657"/>
+          </a:xfrm>
+        </p:grpSpPr>
+        <p:sp>
+          <p:nvSpPr>
+            <p:cNvPr id="4" name="CuadroTexto 3">
+              <a:extLst>
+                <a:ext uri="{FF2B5EF4-FFF2-40B4-BE49-F238E27FC236}">
+                  <a16:creationId xmlns:a16="http://schemas.microsoft.com/office/drawing/2014/main" id="{F1C82E41-CE32-D7DB-9A2A-7F54E8B38A25}"/>
+                </a:ext>
+              </a:extLst>
+            </p:cNvPr>
+            <p:cNvSpPr txBox="1"/>
+            <p:nvPr/>
+          </p:nvSpPr>
+          <p:spPr>
+            <a:xfrm>
+              <a:off x="617943" y="270045"/>
+              <a:ext cx="11093101" cy="2400657"/>
+            </a:xfrm>
+            <a:prstGeom prst="rect">
+              <a:avLst/>
+            </a:prstGeom>
+            <a:noFill/>
+          </p:spPr>
+          <p:txBody>
+            <a:bodyPr wrap="none" rtlCol="0">
+              <a:spAutoFit/>
+            </a:bodyPr>
+            <a:lstStyle/>
+            <a:p>
+              <a:r>
+                <a:rPr lang="es-ES" sz="15000" dirty="0">
+                  <a:gradFill flip="none" rotWithShape="1">
+                    <a:gsLst>
+                      <a:gs pos="0">
+                        <a:schemeClr val="tx1">
+                          <a:lumMod val="65000"/>
+                          <a:lumOff val="35000"/>
+                        </a:schemeClr>
+                      </a:gs>
+                      <a:gs pos="100000">
+                        <a:schemeClr val="bg2">
+                          <a:lumMod val="90000"/>
+                        </a:schemeClr>
+                      </a:gs>
+                    </a:gsLst>
+                    <a:lin ang="0" scaled="0"/>
+                    <a:tileRect/>
+                  </a:gradFill>
+                  <a:latin typeface="AirbnbCereal_W_Blk Black" panose="020B0902020203020204" pitchFamily="34" charset="-18"/>
+                  <a:ea typeface="AirbnbCereal_W_Blk Black" panose="020B0902020203020204" pitchFamily="34" charset="-18"/>
+                  <a:cs typeface="AirbnbCereal_W_Blk Black" panose="020B0902020203020204" pitchFamily="34" charset="-18"/>
+                </a:rPr>
+                <a:t>STARLIGHT</a:t>
+              </a:r>
+              <a:endParaRPr lang="en-US" sz="15000" dirty="0">
+                <a:gradFill flip="none" rotWithShape="1">
+                  <a:gsLst>
+                    <a:gs pos="0">
+                      <a:schemeClr val="tx1">
+                        <a:lumMod val="65000"/>
+                        <a:lumOff val="35000"/>
+                      </a:schemeClr>
+                    </a:gs>
+                    <a:gs pos="100000">
+                      <a:schemeClr val="bg2">
+                        <a:lumMod val="90000"/>
+                      </a:schemeClr>
+                    </a:gs>
+                  </a:gsLst>
+                  <a:lin ang="0" scaled="0"/>
+                  <a:tileRect/>
+                </a:gradFill>
+                <a:latin typeface="AirbnbCereal_W_Blk Black" panose="020B0902020203020204" pitchFamily="34" charset="-18"/>
+                <a:ea typeface="AirbnbCereal_W_Blk Black" panose="020B0902020203020204" pitchFamily="34" charset="-18"/>
+                <a:cs typeface="AirbnbCereal_W_Blk Black" panose="020B0902020203020204" pitchFamily="34" charset="-18"/>
+              </a:endParaRPr>
+            </a:p>
+          </p:txBody>
+        </p:sp>
+        <p:sp>
+          <p:nvSpPr>
+            <p:cNvPr id="5" name="CuadroTexto 4">
+              <a:extLst>
+                <a:ext uri="{FF2B5EF4-FFF2-40B4-BE49-F238E27FC236}">
+                  <a16:creationId xmlns:a16="http://schemas.microsoft.com/office/drawing/2014/main" id="{6D3FE57D-0319-B33B-0635-7C898E0F47BA}"/>
+                </a:ext>
+              </a:extLst>
+            </p:cNvPr>
+            <p:cNvSpPr txBox="1"/>
+            <p:nvPr/>
+          </p:nvSpPr>
+          <p:spPr>
+            <a:xfrm>
+              <a:off x="3642007" y="2301370"/>
+              <a:ext cx="5044971" cy="369332"/>
+            </a:xfrm>
+            <a:prstGeom prst="rect">
+              <a:avLst/>
+            </a:prstGeom>
+            <a:noFill/>
+          </p:spPr>
+          <p:txBody>
+            <a:bodyPr wrap="none" rtlCol="0">
+              <a:spAutoFit/>
+            </a:bodyPr>
+            <a:lstStyle/>
+            <a:p>
+              <a:r>
+                <a:rPr lang="es-ES" i="1" dirty="0">
+                  <a:gradFill>
+                    <a:gsLst>
+                      <a:gs pos="0">
+                        <a:schemeClr val="tx1">
+                          <a:lumMod val="65000"/>
+                          <a:lumOff val="35000"/>
+                        </a:schemeClr>
+                      </a:gs>
+                      <a:gs pos="100000">
+                        <a:schemeClr val="bg2">
+                          <a:lumMod val="79000"/>
+                        </a:schemeClr>
+                      </a:gs>
+                    </a:gsLst>
+                    <a:lin ang="0" scaled="0"/>
+                  </a:gradFill>
+                  <a:latin typeface="Arial" panose="020B0604020202020204" pitchFamily="34" charset="0"/>
+                  <a:cs typeface="Arial" panose="020B0604020202020204" pitchFamily="34" charset="0"/>
+                </a:rPr>
+                <a:t>Una lámpara estelar para una doctora galáctica</a:t>
+              </a:r>
+              <a:endParaRPr lang="en-US" i="1" dirty="0">
+                <a:gradFill>
+                  <a:gsLst>
+                    <a:gs pos="0">
+                      <a:schemeClr val="tx1">
+                        <a:lumMod val="65000"/>
+                        <a:lumOff val="35000"/>
+                      </a:schemeClr>
+                    </a:gs>
+                    <a:gs pos="100000">
+                      <a:schemeClr val="bg2">
+                        <a:lumMod val="79000"/>
+                      </a:schemeClr>
+                    </a:gs>
+                  </a:gsLst>
+                  <a:lin ang="0" scaled="0"/>
+                </a:gradFill>
+                <a:latin typeface="Arial" panose="020B0604020202020204" pitchFamily="34" charset="0"/>
+                <a:cs typeface="Arial" panose="020B0604020202020204" pitchFamily="34" charset="0"/>
+              </a:endParaRPr>
+            </a:p>
+          </p:txBody>
+        </p:sp>
+      </p:grpSp>
+    </p:spTree>
+    <p:extLst>
+      <p:ext uri="{BB962C8B-B14F-4D97-AF65-F5344CB8AC3E}">
+        <p14:creationId xmlns:p14="http://schemas.microsoft.com/office/powerpoint/2010/main" val="2698119649"/>
+      </p:ext>
+    </p:extLst>
+  </p:cSld>
+  <p:clrMapOvr>
+    <a:masterClrMapping/>
+  </p:clrMapOvr>
+</p:sld>
+</file>
+
+<file path=ppt/slides/slide2.xml><?xml version="1.0" encoding="utf-8"?>
 <p:sld xmlns:a="http://schemas.openxmlformats.org/drawingml/2006/main" xmlns:r="http://schemas.openxmlformats.org/officeDocument/2006/relationships" xmlns:p="http://schemas.openxmlformats.org/presentationml/2006/main">
   <p:cSld>
     <p:spTree>

--- a/doc/ManualImages.pptx
+++ b/doc/ManualImages.pptx
@@ -5,11 +5,12 @@
     <p:sldMasterId id="2147483672" r:id="rId1"/>
   </p:sldMasterIdLst>
   <p:notesMasterIdLst>
-    <p:notesMasterId r:id="rId4"/>
+    <p:notesMasterId r:id="rId5"/>
   </p:notesMasterIdLst>
   <p:sldIdLst>
     <p:sldId id="257" r:id="rId2"/>
     <p:sldId id="256" r:id="rId3"/>
+    <p:sldId id="258" r:id="rId4"/>
   </p:sldIdLst>
   <p:sldSz cx="12192000" cy="4697413"/>
   <p:notesSz cx="6858000" cy="9144000"/>
@@ -198,7 +199,7 @@
           <a:p>
             <a:fld id="{A7595B52-898E-45AE-B004-2EF17EDC31CA}" type="datetimeFigureOut">
               <a:rPr lang="en-US" smtClean="0"/>
-              <a:t>12/18/2025</a:t>
+              <a:t>12/19/2025</a:t>
             </a:fld>
             <a:endParaRPr lang="en-US"/>
           </a:p>
@@ -738,7 +739,7 @@
           <a:p>
             <a:fld id="{73B85FC8-DB57-485E-9A60-C6049377B8A3}" type="datetimeFigureOut">
               <a:rPr lang="en-US" smtClean="0"/>
-              <a:t>12/18/2025</a:t>
+              <a:t>12/19/2025</a:t>
             </a:fld>
             <a:endParaRPr lang="en-US"/>
           </a:p>
@@ -908,7 +909,7 @@
           <a:p>
             <a:fld id="{73B85FC8-DB57-485E-9A60-C6049377B8A3}" type="datetimeFigureOut">
               <a:rPr lang="en-US" smtClean="0"/>
-              <a:t>12/18/2025</a:t>
+              <a:t>12/19/2025</a:t>
             </a:fld>
             <a:endParaRPr lang="en-US"/>
           </a:p>
@@ -1088,7 +1089,7 @@
           <a:p>
             <a:fld id="{73B85FC8-DB57-485E-9A60-C6049377B8A3}" type="datetimeFigureOut">
               <a:rPr lang="en-US" smtClean="0"/>
-              <a:t>12/18/2025</a:t>
+              <a:t>12/19/2025</a:t>
             </a:fld>
             <a:endParaRPr lang="en-US"/>
           </a:p>
@@ -1258,7 +1259,7 @@
           <a:p>
             <a:fld id="{73B85FC8-DB57-485E-9A60-C6049377B8A3}" type="datetimeFigureOut">
               <a:rPr lang="en-US" smtClean="0"/>
-              <a:t>12/18/2025</a:t>
+              <a:t>12/19/2025</a:t>
             </a:fld>
             <a:endParaRPr lang="en-US"/>
           </a:p>
@@ -1504,7 +1505,7 @@
           <a:p>
             <a:fld id="{73B85FC8-DB57-485E-9A60-C6049377B8A3}" type="datetimeFigureOut">
               <a:rPr lang="en-US" smtClean="0"/>
-              <a:t>12/18/2025</a:t>
+              <a:t>12/19/2025</a:t>
             </a:fld>
             <a:endParaRPr lang="en-US"/>
           </a:p>
@@ -1736,7 +1737,7 @@
           <a:p>
             <a:fld id="{73B85FC8-DB57-485E-9A60-C6049377B8A3}" type="datetimeFigureOut">
               <a:rPr lang="en-US" smtClean="0"/>
-              <a:t>12/18/2025</a:t>
+              <a:t>12/19/2025</a:t>
             </a:fld>
             <a:endParaRPr lang="en-US"/>
           </a:p>
@@ -2103,7 +2104,7 @@
           <a:p>
             <a:fld id="{73B85FC8-DB57-485E-9A60-C6049377B8A3}" type="datetimeFigureOut">
               <a:rPr lang="en-US" smtClean="0"/>
-              <a:t>12/18/2025</a:t>
+              <a:t>12/19/2025</a:t>
             </a:fld>
             <a:endParaRPr lang="en-US"/>
           </a:p>
@@ -2221,7 +2222,7 @@
           <a:p>
             <a:fld id="{73B85FC8-DB57-485E-9A60-C6049377B8A3}" type="datetimeFigureOut">
               <a:rPr lang="en-US" smtClean="0"/>
-              <a:t>12/18/2025</a:t>
+              <a:t>12/19/2025</a:t>
             </a:fld>
             <a:endParaRPr lang="en-US"/>
           </a:p>
@@ -2316,7 +2317,7 @@
           <a:p>
             <a:fld id="{73B85FC8-DB57-485E-9A60-C6049377B8A3}" type="datetimeFigureOut">
               <a:rPr lang="en-US" smtClean="0"/>
-              <a:t>12/18/2025</a:t>
+              <a:t>12/19/2025</a:t>
             </a:fld>
             <a:endParaRPr lang="en-US"/>
           </a:p>
@@ -2593,7 +2594,7 @@
           <a:p>
             <a:fld id="{73B85FC8-DB57-485E-9A60-C6049377B8A3}" type="datetimeFigureOut">
               <a:rPr lang="en-US" smtClean="0"/>
-              <a:t>12/18/2025</a:t>
+              <a:t>12/19/2025</a:t>
             </a:fld>
             <a:endParaRPr lang="en-US"/>
           </a:p>
@@ -2850,7 +2851,7 @@
           <a:p>
             <a:fld id="{73B85FC8-DB57-485E-9A60-C6049377B8A3}" type="datetimeFigureOut">
               <a:rPr lang="en-US" smtClean="0"/>
-              <a:t>12/18/2025</a:t>
+              <a:t>12/19/2025</a:t>
             </a:fld>
             <a:endParaRPr lang="en-US"/>
           </a:p>
@@ -3063,7 +3064,7 @@
           <a:p>
             <a:fld id="{73B85FC8-DB57-485E-9A60-C6049377B8A3}" type="datetimeFigureOut">
               <a:rPr lang="en-US" smtClean="0"/>
-              <a:t>12/18/2025</a:t>
+              <a:t>12/19/2025</a:t>
             </a:fld>
             <a:endParaRPr lang="en-US"/>
           </a:p>
@@ -4673,6 +4674,2139 @@
 </p:sld>
 </file>
 
+<file path=ppt/slides/slide3.xml><?xml version="1.0" encoding="utf-8"?>
+<p:sld xmlns:a="http://schemas.openxmlformats.org/drawingml/2006/main" xmlns:r="http://schemas.openxmlformats.org/officeDocument/2006/relationships" xmlns:p="http://schemas.openxmlformats.org/presentationml/2006/main">
+  <p:cSld>
+    <p:spTree>
+      <p:nvGrpSpPr>
+        <p:cNvPr id="1" name=""/>
+        <p:cNvGrpSpPr/>
+        <p:nvPr/>
+      </p:nvGrpSpPr>
+      <p:grpSpPr>
+        <a:xfrm>
+          <a:off x="0" y="0"/>
+          <a:ext cx="0" cy="0"/>
+          <a:chOff x="0" y="0"/>
+          <a:chExt cx="0" cy="0"/>
+        </a:xfrm>
+      </p:grpSpPr>
+      <p:grpSp>
+        <p:nvGrpSpPr>
+          <p:cNvPr id="42" name="Grupo 41">
+            <a:extLst>
+              <a:ext uri="{FF2B5EF4-FFF2-40B4-BE49-F238E27FC236}">
+                <a16:creationId xmlns:a16="http://schemas.microsoft.com/office/drawing/2014/main" id="{BC20A17D-C422-161D-0C29-EA6EAE6D7A1A}"/>
+              </a:ext>
+            </a:extLst>
+          </p:cNvPr>
+          <p:cNvGrpSpPr/>
+          <p:nvPr/>
+        </p:nvGrpSpPr>
+        <p:grpSpPr>
+          <a:xfrm>
+            <a:off x="736600" y="225875"/>
+            <a:ext cx="11007271" cy="4245662"/>
+            <a:chOff x="1614327" y="445293"/>
+            <a:chExt cx="9469144" cy="3652384"/>
+          </a:xfrm>
+        </p:grpSpPr>
+        <p:sp>
+          <p:nvSpPr>
+            <p:cNvPr id="29" name="Forma libre: forma 28">
+              <a:extLst>
+                <a:ext uri="{FF2B5EF4-FFF2-40B4-BE49-F238E27FC236}">
+                  <a16:creationId xmlns:a16="http://schemas.microsoft.com/office/drawing/2014/main" id="{952F6626-C29F-B3E4-75D2-1BA89E6B4253}"/>
+                </a:ext>
+              </a:extLst>
+            </p:cNvPr>
+            <p:cNvSpPr/>
+            <p:nvPr/>
+          </p:nvSpPr>
+          <p:spPr>
+            <a:xfrm>
+              <a:off x="1935843" y="2724035"/>
+              <a:ext cx="3461657" cy="1088572"/>
+            </a:xfrm>
+            <a:custGeom>
+              <a:avLst/>
+              <a:gdLst>
+                <a:gd name="csX0" fmla="*/ 3461657 w 3461657"/>
+                <a:gd name="csY0" fmla="*/ 0 h 1088572"/>
+                <a:gd name="csX1" fmla="*/ 3055257 w 3461657"/>
+                <a:gd name="csY1" fmla="*/ 0 h 1088572"/>
+                <a:gd name="csX2" fmla="*/ 3055257 w 3461657"/>
+                <a:gd name="csY2" fmla="*/ 1088572 h 1088572"/>
+                <a:gd name="csX3" fmla="*/ 0 w 3461657"/>
+                <a:gd name="csY3" fmla="*/ 1088572 h 1088572"/>
+                <a:gd name="csX4" fmla="*/ 0 w 3461657"/>
+                <a:gd name="csY4" fmla="*/ 602343 h 1088572"/>
+              </a:gdLst>
+              <a:ahLst/>
+              <a:cxnLst>
+                <a:cxn ang="0">
+                  <a:pos x="csX0" y="csY0"/>
+                </a:cxn>
+                <a:cxn ang="0">
+                  <a:pos x="csX1" y="csY1"/>
+                </a:cxn>
+                <a:cxn ang="0">
+                  <a:pos x="csX2" y="csY2"/>
+                </a:cxn>
+                <a:cxn ang="0">
+                  <a:pos x="csX3" y="csY3"/>
+                </a:cxn>
+                <a:cxn ang="0">
+                  <a:pos x="csX4" y="csY4"/>
+                </a:cxn>
+              </a:cxnLst>
+              <a:rect l="l" t="t" r="r" b="b"/>
+              <a:pathLst>
+                <a:path w="3461657" h="1088572">
+                  <a:moveTo>
+                    <a:pt x="3461657" y="0"/>
+                  </a:moveTo>
+                  <a:lnTo>
+                    <a:pt x="3055257" y="0"/>
+                  </a:lnTo>
+                  <a:lnTo>
+                    <a:pt x="3055257" y="1088572"/>
+                  </a:lnTo>
+                  <a:lnTo>
+                    <a:pt x="0" y="1088572"/>
+                  </a:lnTo>
+                  <a:lnTo>
+                    <a:pt x="0" y="602343"/>
+                  </a:lnTo>
+                </a:path>
+              </a:pathLst>
+            </a:custGeom>
+            <a:noFill/>
+            <a:ln>
+              <a:solidFill>
+                <a:srgbClr val="FFCC00"/>
+              </a:solidFill>
+            </a:ln>
+          </p:spPr>
+          <p:style>
+            <a:lnRef idx="2">
+              <a:schemeClr val="accent1">
+                <a:shade val="15000"/>
+              </a:schemeClr>
+            </a:lnRef>
+            <a:fillRef idx="1">
+              <a:schemeClr val="accent1"/>
+            </a:fillRef>
+            <a:effectRef idx="0">
+              <a:schemeClr val="accent1"/>
+            </a:effectRef>
+            <a:fontRef idx="minor">
+              <a:schemeClr val="lt1"/>
+            </a:fontRef>
+          </p:style>
+          <p:txBody>
+            <a:bodyPr rtlCol="0" anchor="ctr"/>
+            <a:lstStyle/>
+            <a:p>
+              <a:pPr algn="ctr"/>
+              <a:endParaRPr lang="en-US"/>
+            </a:p>
+          </p:txBody>
+        </p:sp>
+        <p:sp>
+          <p:nvSpPr>
+            <p:cNvPr id="18" name="Forma libre: forma 17">
+              <a:extLst>
+                <a:ext uri="{FF2B5EF4-FFF2-40B4-BE49-F238E27FC236}">
+                  <a16:creationId xmlns:a16="http://schemas.microsoft.com/office/drawing/2014/main" id="{F0062608-DB49-8C44-6C88-A955C0C57810}"/>
+                </a:ext>
+              </a:extLst>
+            </p:cNvPr>
+            <p:cNvSpPr/>
+            <p:nvPr/>
+          </p:nvSpPr>
+          <p:spPr>
+            <a:xfrm>
+              <a:off x="2355850" y="2473663"/>
+              <a:ext cx="3028950" cy="929481"/>
+            </a:xfrm>
+            <a:custGeom>
+              <a:avLst/>
+              <a:gdLst>
+                <a:gd name="csX0" fmla="*/ 3028950 w 3028950"/>
+                <a:gd name="csY0" fmla="*/ 0 h 895350"/>
+                <a:gd name="csX1" fmla="*/ 2203450 w 3028950"/>
+                <a:gd name="csY1" fmla="*/ 0 h 895350"/>
+                <a:gd name="csX2" fmla="*/ 2203450 w 3028950"/>
+                <a:gd name="csY2" fmla="*/ 895350 h 895350"/>
+                <a:gd name="csX3" fmla="*/ 0 w 3028950"/>
+                <a:gd name="csY3" fmla="*/ 895350 h 895350"/>
+              </a:gdLst>
+              <a:ahLst/>
+              <a:cxnLst>
+                <a:cxn ang="0">
+                  <a:pos x="csX0" y="csY0"/>
+                </a:cxn>
+                <a:cxn ang="0">
+                  <a:pos x="csX1" y="csY1"/>
+                </a:cxn>
+                <a:cxn ang="0">
+                  <a:pos x="csX2" y="csY2"/>
+                </a:cxn>
+                <a:cxn ang="0">
+                  <a:pos x="csX3" y="csY3"/>
+                </a:cxn>
+              </a:cxnLst>
+              <a:rect l="l" t="t" r="r" b="b"/>
+              <a:pathLst>
+                <a:path w="3028950" h="895350">
+                  <a:moveTo>
+                    <a:pt x="3028950" y="0"/>
+                  </a:moveTo>
+                  <a:lnTo>
+                    <a:pt x="2203450" y="0"/>
+                  </a:lnTo>
+                  <a:lnTo>
+                    <a:pt x="2203450" y="895350"/>
+                  </a:lnTo>
+                  <a:lnTo>
+                    <a:pt x="0" y="895350"/>
+                  </a:lnTo>
+                </a:path>
+              </a:pathLst>
+            </a:custGeom>
+            <a:noFill/>
+            <a:ln>
+              <a:solidFill>
+                <a:srgbClr val="FF0000"/>
+              </a:solidFill>
+            </a:ln>
+          </p:spPr>
+          <p:style>
+            <a:lnRef idx="2">
+              <a:schemeClr val="accent1">
+                <a:shade val="15000"/>
+              </a:schemeClr>
+            </a:lnRef>
+            <a:fillRef idx="1">
+              <a:schemeClr val="accent1"/>
+            </a:fillRef>
+            <a:effectRef idx="0">
+              <a:schemeClr val="accent1"/>
+            </a:effectRef>
+            <a:fontRef idx="minor">
+              <a:schemeClr val="lt1"/>
+            </a:fontRef>
+          </p:style>
+          <p:txBody>
+            <a:bodyPr rtlCol="0" anchor="ctr"/>
+            <a:lstStyle/>
+            <a:p>
+              <a:pPr algn="ctr"/>
+              <a:endParaRPr lang="en-US"/>
+            </a:p>
+          </p:txBody>
+        </p:sp>
+        <p:sp>
+          <p:nvSpPr>
+            <p:cNvPr id="20" name="Forma libre: forma 19">
+              <a:extLst>
+                <a:ext uri="{FF2B5EF4-FFF2-40B4-BE49-F238E27FC236}">
+                  <a16:creationId xmlns:a16="http://schemas.microsoft.com/office/drawing/2014/main" id="{A6E5DD34-60A2-0207-C725-093D2A6ED1B8}"/>
+                </a:ext>
+              </a:extLst>
+            </p:cNvPr>
+            <p:cNvSpPr/>
+            <p:nvPr/>
+          </p:nvSpPr>
+          <p:spPr>
+            <a:xfrm>
+              <a:off x="2374900" y="2340314"/>
+              <a:ext cx="3016250" cy="888020"/>
+            </a:xfrm>
+            <a:custGeom>
+              <a:avLst/>
+              <a:gdLst>
+                <a:gd name="csX0" fmla="*/ 3016250 w 3016250"/>
+                <a:gd name="csY0" fmla="*/ 0 h 831850"/>
+                <a:gd name="csX1" fmla="*/ 2038350 w 3016250"/>
+                <a:gd name="csY1" fmla="*/ 0 h 831850"/>
+                <a:gd name="csX2" fmla="*/ 2038350 w 3016250"/>
+                <a:gd name="csY2" fmla="*/ 831850 h 831850"/>
+                <a:gd name="csX3" fmla="*/ 0 w 3016250"/>
+                <a:gd name="csY3" fmla="*/ 831850 h 831850"/>
+              </a:gdLst>
+              <a:ahLst/>
+              <a:cxnLst>
+                <a:cxn ang="0">
+                  <a:pos x="csX0" y="csY0"/>
+                </a:cxn>
+                <a:cxn ang="0">
+                  <a:pos x="csX1" y="csY1"/>
+                </a:cxn>
+                <a:cxn ang="0">
+                  <a:pos x="csX2" y="csY2"/>
+                </a:cxn>
+                <a:cxn ang="0">
+                  <a:pos x="csX3" y="csY3"/>
+                </a:cxn>
+              </a:cxnLst>
+              <a:rect l="l" t="t" r="r" b="b"/>
+              <a:pathLst>
+                <a:path w="3016250" h="831850">
+                  <a:moveTo>
+                    <a:pt x="3016250" y="0"/>
+                  </a:moveTo>
+                  <a:lnTo>
+                    <a:pt x="2038350" y="0"/>
+                  </a:lnTo>
+                  <a:lnTo>
+                    <a:pt x="2038350" y="831850"/>
+                  </a:lnTo>
+                  <a:lnTo>
+                    <a:pt x="0" y="831850"/>
+                  </a:lnTo>
+                </a:path>
+              </a:pathLst>
+            </a:custGeom>
+            <a:noFill/>
+            <a:ln>
+              <a:solidFill>
+                <a:srgbClr val="00B0F0"/>
+              </a:solidFill>
+            </a:ln>
+          </p:spPr>
+          <p:style>
+            <a:lnRef idx="2">
+              <a:schemeClr val="accent1">
+                <a:shade val="15000"/>
+              </a:schemeClr>
+            </a:lnRef>
+            <a:fillRef idx="1">
+              <a:schemeClr val="accent1"/>
+            </a:fillRef>
+            <a:effectRef idx="0">
+              <a:schemeClr val="accent1"/>
+            </a:effectRef>
+            <a:fontRef idx="minor">
+              <a:schemeClr val="lt1"/>
+            </a:fontRef>
+          </p:style>
+          <p:txBody>
+            <a:bodyPr rtlCol="0" anchor="ctr"/>
+            <a:lstStyle/>
+            <a:p>
+              <a:pPr algn="ctr"/>
+              <a:endParaRPr lang="en-US"/>
+            </a:p>
+          </p:txBody>
+        </p:sp>
+        <p:sp>
+          <p:nvSpPr>
+            <p:cNvPr id="22" name="Forma libre: forma 21">
+              <a:extLst>
+                <a:ext uri="{FF2B5EF4-FFF2-40B4-BE49-F238E27FC236}">
+                  <a16:creationId xmlns:a16="http://schemas.microsoft.com/office/drawing/2014/main" id="{56252EB6-BFBE-5A7C-CCFA-3D23FC343FFE}"/>
+                </a:ext>
+              </a:extLst>
+            </p:cNvPr>
+            <p:cNvSpPr/>
+            <p:nvPr/>
+          </p:nvSpPr>
+          <p:spPr>
+            <a:xfrm>
+              <a:off x="2273300" y="2206964"/>
+              <a:ext cx="3111500" cy="838200"/>
+            </a:xfrm>
+            <a:custGeom>
+              <a:avLst/>
+              <a:gdLst>
+                <a:gd name="csX0" fmla="*/ 3111500 w 3111500"/>
+                <a:gd name="csY0" fmla="*/ 0 h 838200"/>
+                <a:gd name="csX1" fmla="*/ 1981200 w 3111500"/>
+                <a:gd name="csY1" fmla="*/ 0 h 838200"/>
+                <a:gd name="csX2" fmla="*/ 1981200 w 3111500"/>
+                <a:gd name="csY2" fmla="*/ 838200 h 838200"/>
+                <a:gd name="csX3" fmla="*/ 0 w 3111500"/>
+                <a:gd name="csY3" fmla="*/ 838200 h 838200"/>
+              </a:gdLst>
+              <a:ahLst/>
+              <a:cxnLst>
+                <a:cxn ang="0">
+                  <a:pos x="csX0" y="csY0"/>
+                </a:cxn>
+                <a:cxn ang="0">
+                  <a:pos x="csX1" y="csY1"/>
+                </a:cxn>
+                <a:cxn ang="0">
+                  <a:pos x="csX2" y="csY2"/>
+                </a:cxn>
+                <a:cxn ang="0">
+                  <a:pos x="csX3" y="csY3"/>
+                </a:cxn>
+              </a:cxnLst>
+              <a:rect l="l" t="t" r="r" b="b"/>
+              <a:pathLst>
+                <a:path w="3111500" h="838200">
+                  <a:moveTo>
+                    <a:pt x="3111500" y="0"/>
+                  </a:moveTo>
+                  <a:lnTo>
+                    <a:pt x="1981200" y="0"/>
+                  </a:lnTo>
+                  <a:lnTo>
+                    <a:pt x="1981200" y="838200"/>
+                  </a:lnTo>
+                  <a:lnTo>
+                    <a:pt x="0" y="838200"/>
+                  </a:lnTo>
+                </a:path>
+              </a:pathLst>
+            </a:custGeom>
+            <a:noFill/>
+            <a:ln>
+              <a:solidFill>
+                <a:schemeClr val="accent6"/>
+              </a:solidFill>
+            </a:ln>
+          </p:spPr>
+          <p:style>
+            <a:lnRef idx="2">
+              <a:schemeClr val="accent1">
+                <a:shade val="15000"/>
+              </a:schemeClr>
+            </a:lnRef>
+            <a:fillRef idx="1">
+              <a:schemeClr val="accent1"/>
+            </a:fillRef>
+            <a:effectRef idx="0">
+              <a:schemeClr val="accent1"/>
+            </a:effectRef>
+            <a:fontRef idx="minor">
+              <a:schemeClr val="lt1"/>
+            </a:fontRef>
+          </p:style>
+          <p:txBody>
+            <a:bodyPr rtlCol="0" anchor="ctr"/>
+            <a:lstStyle/>
+            <a:p>
+              <a:pPr algn="ctr"/>
+              <a:endParaRPr lang="en-US"/>
+            </a:p>
+          </p:txBody>
+        </p:sp>
+        <p:pic>
+          <p:nvPicPr>
+            <p:cNvPr id="5" name="Imagen 4" descr="Interfaz de usuario gráfica, Aplicación&#10;&#10;El contenido generado por IA puede ser incorrecto.">
+              <a:extLst>
+                <a:ext uri="{FF2B5EF4-FFF2-40B4-BE49-F238E27FC236}">
+                  <a16:creationId xmlns:a16="http://schemas.microsoft.com/office/drawing/2014/main" id="{10538638-6BC8-28F4-C4AD-459E5ADFC06F}"/>
+                </a:ext>
+              </a:extLst>
+            </p:cNvPr>
+            <p:cNvPicPr>
+              <a:picLocks noChangeAspect="1"/>
+            </p:cNvPicPr>
+            <p:nvPr/>
+          </p:nvPicPr>
+          <p:blipFill>
+            <a:blip r:embed="rId2">
+              <a:extLst>
+                <a:ext uri="{28A0092B-C50C-407E-A947-70E740481C1C}">
+                  <a14:useLocalDpi xmlns:a14="http://schemas.microsoft.com/office/drawing/2010/main" val="0"/>
+                </a:ext>
+              </a:extLst>
+            </a:blip>
+            <a:srcRect l="32895" t="1082" r="33057" b="17656"/>
+            <a:stretch>
+              <a:fillRect/>
+            </a:stretch>
+          </p:blipFill>
+          <p:spPr>
+            <a:xfrm>
+              <a:off x="5361614" y="1664493"/>
+              <a:ext cx="986171" cy="1240971"/>
+            </a:xfrm>
+            <a:prstGeom prst="rect">
+              <a:avLst/>
+            </a:prstGeom>
+          </p:spPr>
+        </p:pic>
+        <p:sp>
+          <p:nvSpPr>
+            <p:cNvPr id="7" name="Forma libre: forma 6">
+              <a:extLst>
+                <a:ext uri="{FF2B5EF4-FFF2-40B4-BE49-F238E27FC236}">
+                  <a16:creationId xmlns:a16="http://schemas.microsoft.com/office/drawing/2014/main" id="{88F207EA-C28B-7644-F1D7-6C1234EAAA11}"/>
+                </a:ext>
+              </a:extLst>
+            </p:cNvPr>
+            <p:cNvSpPr/>
+            <p:nvPr/>
+          </p:nvSpPr>
+          <p:spPr>
+            <a:xfrm>
+              <a:off x="2944586" y="713807"/>
+              <a:ext cx="2445657" cy="1110343"/>
+            </a:xfrm>
+            <a:custGeom>
+              <a:avLst/>
+              <a:gdLst>
+                <a:gd name="csX0" fmla="*/ 2445657 w 2445657"/>
+                <a:gd name="csY0" fmla="*/ 1110343 h 1110343"/>
+                <a:gd name="csX1" fmla="*/ 0 w 2445657"/>
+                <a:gd name="csY1" fmla="*/ 1110343 h 1110343"/>
+                <a:gd name="csX2" fmla="*/ 0 w 2445657"/>
+                <a:gd name="csY2" fmla="*/ 0 h 1110343"/>
+              </a:gdLst>
+              <a:ahLst/>
+              <a:cxnLst>
+                <a:cxn ang="0">
+                  <a:pos x="csX0" y="csY0"/>
+                </a:cxn>
+                <a:cxn ang="0">
+                  <a:pos x="csX1" y="csY1"/>
+                </a:cxn>
+                <a:cxn ang="0">
+                  <a:pos x="csX2" y="csY2"/>
+                </a:cxn>
+              </a:cxnLst>
+              <a:rect l="l" t="t" r="r" b="b"/>
+              <a:pathLst>
+                <a:path w="2445657" h="1110343">
+                  <a:moveTo>
+                    <a:pt x="2445657" y="1110343"/>
+                  </a:moveTo>
+                  <a:lnTo>
+                    <a:pt x="0" y="1110343"/>
+                  </a:lnTo>
+                  <a:lnTo>
+                    <a:pt x="0" y="0"/>
+                  </a:lnTo>
+                </a:path>
+              </a:pathLst>
+            </a:custGeom>
+            <a:noFill/>
+            <a:ln>
+              <a:solidFill>
+                <a:srgbClr val="C00000"/>
+              </a:solidFill>
+            </a:ln>
+          </p:spPr>
+          <p:style>
+            <a:lnRef idx="2">
+              <a:schemeClr val="accent1">
+                <a:shade val="15000"/>
+              </a:schemeClr>
+            </a:lnRef>
+            <a:fillRef idx="1">
+              <a:schemeClr val="accent1"/>
+            </a:fillRef>
+            <a:effectRef idx="0">
+              <a:schemeClr val="accent1"/>
+            </a:effectRef>
+            <a:fontRef idx="minor">
+              <a:schemeClr val="lt1"/>
+            </a:fontRef>
+          </p:style>
+          <p:txBody>
+            <a:bodyPr rtlCol="0" anchor="ctr"/>
+            <a:lstStyle/>
+            <a:p>
+              <a:pPr algn="ctr"/>
+              <a:endParaRPr lang="en-US"/>
+            </a:p>
+          </p:txBody>
+        </p:sp>
+        <p:sp>
+          <p:nvSpPr>
+            <p:cNvPr id="8" name="Forma libre: forma 7">
+              <a:extLst>
+                <a:ext uri="{FF2B5EF4-FFF2-40B4-BE49-F238E27FC236}">
+                  <a16:creationId xmlns:a16="http://schemas.microsoft.com/office/drawing/2014/main" id="{6F281511-56D1-0B2D-AF74-45438584E3B9}"/>
+                </a:ext>
+              </a:extLst>
+            </p:cNvPr>
+            <p:cNvSpPr/>
+            <p:nvPr/>
+          </p:nvSpPr>
+          <p:spPr>
+            <a:xfrm>
+              <a:off x="2788957" y="742836"/>
+              <a:ext cx="2601286" cy="1210128"/>
+            </a:xfrm>
+            <a:custGeom>
+              <a:avLst/>
+              <a:gdLst>
+                <a:gd name="csX0" fmla="*/ 2445657 w 2445657"/>
+                <a:gd name="csY0" fmla="*/ 1110343 h 1110343"/>
+                <a:gd name="csX1" fmla="*/ 0 w 2445657"/>
+                <a:gd name="csY1" fmla="*/ 1110343 h 1110343"/>
+                <a:gd name="csX2" fmla="*/ 0 w 2445657"/>
+                <a:gd name="csY2" fmla="*/ 0 h 1110343"/>
+              </a:gdLst>
+              <a:ahLst/>
+              <a:cxnLst>
+                <a:cxn ang="0">
+                  <a:pos x="csX0" y="csY0"/>
+                </a:cxn>
+                <a:cxn ang="0">
+                  <a:pos x="csX1" y="csY1"/>
+                </a:cxn>
+                <a:cxn ang="0">
+                  <a:pos x="csX2" y="csY2"/>
+                </a:cxn>
+              </a:cxnLst>
+              <a:rect l="l" t="t" r="r" b="b"/>
+              <a:pathLst>
+                <a:path w="2445657" h="1110343">
+                  <a:moveTo>
+                    <a:pt x="2445657" y="1110343"/>
+                  </a:moveTo>
+                  <a:lnTo>
+                    <a:pt x="0" y="1110343"/>
+                  </a:lnTo>
+                  <a:lnTo>
+                    <a:pt x="0" y="0"/>
+                  </a:lnTo>
+                </a:path>
+              </a:pathLst>
+            </a:custGeom>
+            <a:noFill/>
+            <a:ln>
+              <a:solidFill>
+                <a:schemeClr val="tx1"/>
+              </a:solidFill>
+            </a:ln>
+          </p:spPr>
+          <p:style>
+            <a:lnRef idx="2">
+              <a:schemeClr val="accent1">
+                <a:shade val="15000"/>
+              </a:schemeClr>
+            </a:lnRef>
+            <a:fillRef idx="1">
+              <a:schemeClr val="accent1"/>
+            </a:fillRef>
+            <a:effectRef idx="0">
+              <a:schemeClr val="accent1"/>
+            </a:effectRef>
+            <a:fontRef idx="minor">
+              <a:schemeClr val="lt1"/>
+            </a:fontRef>
+          </p:style>
+          <p:txBody>
+            <a:bodyPr rtlCol="0" anchor="ctr"/>
+            <a:lstStyle/>
+            <a:p>
+              <a:pPr algn="ctr"/>
+              <a:endParaRPr lang="en-US"/>
+            </a:p>
+          </p:txBody>
+        </p:sp>
+        <p:sp>
+          <p:nvSpPr>
+            <p:cNvPr id="6" name="Rectángulo: esquinas redondeadas 5">
+              <a:extLst>
+                <a:ext uri="{FF2B5EF4-FFF2-40B4-BE49-F238E27FC236}">
+                  <a16:creationId xmlns:a16="http://schemas.microsoft.com/office/drawing/2014/main" id="{8B61A8AB-097E-06AE-6106-8BDDBD08BF8F}"/>
+                </a:ext>
+              </a:extLst>
+            </p:cNvPr>
+            <p:cNvSpPr/>
+            <p:nvPr/>
+          </p:nvSpPr>
+          <p:spPr>
+            <a:xfrm>
+              <a:off x="2690586" y="445293"/>
+              <a:ext cx="355600" cy="312057"/>
+            </a:xfrm>
+            <a:prstGeom prst="roundRect">
+              <a:avLst>
+                <a:gd name="adj" fmla="val 35272"/>
+              </a:avLst>
+            </a:prstGeom>
+            <a:solidFill>
+              <a:schemeClr val="tx1">
+                <a:lumMod val="65000"/>
+                <a:lumOff val="35000"/>
+              </a:schemeClr>
+            </a:solidFill>
+          </p:spPr>
+          <p:style>
+            <a:lnRef idx="2">
+              <a:schemeClr val="accent1">
+                <a:shade val="15000"/>
+              </a:schemeClr>
+            </a:lnRef>
+            <a:fillRef idx="1">
+              <a:schemeClr val="accent1"/>
+            </a:fillRef>
+            <a:effectRef idx="0">
+              <a:schemeClr val="accent1"/>
+            </a:effectRef>
+            <a:fontRef idx="minor">
+              <a:schemeClr val="lt1"/>
+            </a:fontRef>
+          </p:style>
+          <p:txBody>
+            <a:bodyPr rtlCol="0" anchor="ctr"/>
+            <a:lstStyle/>
+            <a:p>
+              <a:pPr algn="ctr"/>
+              <a:endParaRPr lang="en-US"/>
+            </a:p>
+          </p:txBody>
+        </p:sp>
+        <p:sp>
+          <p:nvSpPr>
+            <p:cNvPr id="15" name="Forma libre: forma 14">
+              <a:extLst>
+                <a:ext uri="{FF2B5EF4-FFF2-40B4-BE49-F238E27FC236}">
+                  <a16:creationId xmlns:a16="http://schemas.microsoft.com/office/drawing/2014/main" id="{DD9B4027-467E-1139-66A8-0AE4116D0D73}"/>
+                </a:ext>
+              </a:extLst>
+            </p:cNvPr>
+            <p:cNvSpPr/>
+            <p:nvPr/>
+          </p:nvSpPr>
+          <p:spPr>
+            <a:xfrm flipV="1">
+              <a:off x="2030659" y="2083593"/>
+              <a:ext cx="3359583" cy="985384"/>
+            </a:xfrm>
+            <a:custGeom>
+              <a:avLst/>
+              <a:gdLst>
+                <a:gd name="csX0" fmla="*/ 2445657 w 2445657"/>
+                <a:gd name="csY0" fmla="*/ 1110343 h 1110343"/>
+                <a:gd name="csX1" fmla="*/ 0 w 2445657"/>
+                <a:gd name="csY1" fmla="*/ 1110343 h 1110343"/>
+                <a:gd name="csX2" fmla="*/ 0 w 2445657"/>
+                <a:gd name="csY2" fmla="*/ 0 h 1110343"/>
+              </a:gdLst>
+              <a:ahLst/>
+              <a:cxnLst>
+                <a:cxn ang="0">
+                  <a:pos x="csX0" y="csY0"/>
+                </a:cxn>
+                <a:cxn ang="0">
+                  <a:pos x="csX1" y="csY1"/>
+                </a:cxn>
+                <a:cxn ang="0">
+                  <a:pos x="csX2" y="csY2"/>
+                </a:cxn>
+              </a:cxnLst>
+              <a:rect l="l" t="t" r="r" b="b"/>
+              <a:pathLst>
+                <a:path w="2445657" h="1110343">
+                  <a:moveTo>
+                    <a:pt x="2445657" y="1110343"/>
+                  </a:moveTo>
+                  <a:lnTo>
+                    <a:pt x="0" y="1110343"/>
+                  </a:lnTo>
+                  <a:lnTo>
+                    <a:pt x="0" y="0"/>
+                  </a:lnTo>
+                </a:path>
+              </a:pathLst>
+            </a:custGeom>
+            <a:noFill/>
+            <a:ln>
+              <a:solidFill>
+                <a:srgbClr val="C00000"/>
+              </a:solidFill>
+            </a:ln>
+          </p:spPr>
+          <p:style>
+            <a:lnRef idx="2">
+              <a:schemeClr val="accent1">
+                <a:shade val="15000"/>
+              </a:schemeClr>
+            </a:lnRef>
+            <a:fillRef idx="1">
+              <a:schemeClr val="accent1"/>
+            </a:fillRef>
+            <a:effectRef idx="0">
+              <a:schemeClr val="accent1"/>
+            </a:effectRef>
+            <a:fontRef idx="minor">
+              <a:schemeClr val="lt1"/>
+            </a:fontRef>
+          </p:style>
+          <p:txBody>
+            <a:bodyPr rtlCol="0" anchor="ctr"/>
+            <a:lstStyle/>
+            <a:p>
+              <a:pPr algn="ctr"/>
+              <a:endParaRPr lang="en-US"/>
+            </a:p>
+          </p:txBody>
+        </p:sp>
+        <p:sp>
+          <p:nvSpPr>
+            <p:cNvPr id="23" name="Forma libre: forma 22">
+              <a:extLst>
+                <a:ext uri="{FF2B5EF4-FFF2-40B4-BE49-F238E27FC236}">
+                  <a16:creationId xmlns:a16="http://schemas.microsoft.com/office/drawing/2014/main" id="{5EFB737F-856F-8A5E-C9A9-D1A938FA04CB}"/>
+                </a:ext>
+              </a:extLst>
+            </p:cNvPr>
+            <p:cNvSpPr/>
+            <p:nvPr/>
+          </p:nvSpPr>
+          <p:spPr>
+            <a:xfrm>
+              <a:off x="1873250" y="1414802"/>
+              <a:ext cx="914400" cy="1585912"/>
+            </a:xfrm>
+            <a:custGeom>
+              <a:avLst/>
+              <a:gdLst>
+                <a:gd name="csX0" fmla="*/ 914400 w 914400"/>
+                <a:gd name="csY0" fmla="*/ 0 h 1352550"/>
+                <a:gd name="csX1" fmla="*/ 0 w 914400"/>
+                <a:gd name="csY1" fmla="*/ 0 h 1352550"/>
+                <a:gd name="csX2" fmla="*/ 0 w 914400"/>
+                <a:gd name="csY2" fmla="*/ 1352550 h 1352550"/>
+              </a:gdLst>
+              <a:ahLst/>
+              <a:cxnLst>
+                <a:cxn ang="0">
+                  <a:pos x="csX0" y="csY0"/>
+                </a:cxn>
+                <a:cxn ang="0">
+                  <a:pos x="csX1" y="csY1"/>
+                </a:cxn>
+                <a:cxn ang="0">
+                  <a:pos x="csX2" y="csY2"/>
+                </a:cxn>
+              </a:cxnLst>
+              <a:rect l="l" t="t" r="r" b="b"/>
+              <a:pathLst>
+                <a:path w="914400" h="1352550">
+                  <a:moveTo>
+                    <a:pt x="914400" y="0"/>
+                  </a:moveTo>
+                  <a:lnTo>
+                    <a:pt x="0" y="0"/>
+                  </a:lnTo>
+                  <a:lnTo>
+                    <a:pt x="0" y="1352550"/>
+                  </a:lnTo>
+                </a:path>
+              </a:pathLst>
+            </a:custGeom>
+            <a:noFill/>
+          </p:spPr>
+          <p:style>
+            <a:lnRef idx="2">
+              <a:schemeClr val="accent1">
+                <a:shade val="15000"/>
+              </a:schemeClr>
+            </a:lnRef>
+            <a:fillRef idx="1">
+              <a:schemeClr val="accent1"/>
+            </a:fillRef>
+            <a:effectRef idx="0">
+              <a:schemeClr val="accent1"/>
+            </a:effectRef>
+            <a:fontRef idx="minor">
+              <a:schemeClr val="lt1"/>
+            </a:fontRef>
+          </p:style>
+          <p:txBody>
+            <a:bodyPr rtlCol="0" anchor="ctr"/>
+            <a:lstStyle/>
+            <a:p>
+              <a:pPr algn="ctr"/>
+              <a:endParaRPr lang="en-US"/>
+            </a:p>
+          </p:txBody>
+        </p:sp>
+        <p:sp>
+          <p:nvSpPr>
+            <p:cNvPr id="24" name="Elipse 23">
+              <a:extLst>
+                <a:ext uri="{FF2B5EF4-FFF2-40B4-BE49-F238E27FC236}">
+                  <a16:creationId xmlns:a16="http://schemas.microsoft.com/office/drawing/2014/main" id="{5FE698A9-7103-3013-E3E2-12439F2BDAAA}"/>
+                </a:ext>
+              </a:extLst>
+            </p:cNvPr>
+            <p:cNvSpPr/>
+            <p:nvPr/>
+          </p:nvSpPr>
+          <p:spPr>
+            <a:xfrm>
+              <a:off x="2747743" y="1377710"/>
+              <a:ext cx="81122" cy="81122"/>
+            </a:xfrm>
+            <a:prstGeom prst="ellipse">
+              <a:avLst/>
+            </a:prstGeom>
+            <a:solidFill>
+              <a:schemeClr val="tx1"/>
+            </a:solidFill>
+            <a:ln>
+              <a:noFill/>
+            </a:ln>
+          </p:spPr>
+          <p:style>
+            <a:lnRef idx="2">
+              <a:schemeClr val="accent1">
+                <a:shade val="15000"/>
+              </a:schemeClr>
+            </a:lnRef>
+            <a:fillRef idx="1">
+              <a:schemeClr val="accent1"/>
+            </a:fillRef>
+            <a:effectRef idx="0">
+              <a:schemeClr val="accent1"/>
+            </a:effectRef>
+            <a:fontRef idx="minor">
+              <a:schemeClr val="lt1"/>
+            </a:fontRef>
+          </p:style>
+          <p:txBody>
+            <a:bodyPr rtlCol="0" anchor="ctr"/>
+            <a:lstStyle/>
+            <a:p>
+              <a:pPr algn="ctr"/>
+              <a:endParaRPr lang="en-US"/>
+            </a:p>
+          </p:txBody>
+        </p:sp>
+        <p:pic>
+          <p:nvPicPr>
+            <p:cNvPr id="1026" name="Picture 2" descr="Everything You Need to Know About 220-Ohm Resistor Color Code">
+              <a:extLst>
+                <a:ext uri="{FF2B5EF4-FFF2-40B4-BE49-F238E27FC236}">
+                  <a16:creationId xmlns:a16="http://schemas.microsoft.com/office/drawing/2014/main" id="{660C250F-6B52-9DB1-11D1-7DD7285983A0}"/>
+                </a:ext>
+              </a:extLst>
+            </p:cNvPr>
+            <p:cNvPicPr>
+              <a:picLocks noChangeAspect="1" noChangeArrowheads="1"/>
+            </p:cNvPicPr>
+            <p:nvPr/>
+          </p:nvPicPr>
+          <p:blipFill rotWithShape="1">
+            <a:blip r:embed="rId3">
+              <a:extLst>
+                <a:ext uri="{28A0092B-C50C-407E-A947-70E740481C1C}">
+                  <a14:useLocalDpi xmlns:a14="http://schemas.microsoft.com/office/drawing/2010/main" val="0"/>
+                </a:ext>
+              </a:extLst>
+            </a:blip>
+            <a:srcRect l="24224" t="46367" r="20822" b="34573"/>
+            <a:stretch>
+              <a:fillRect/>
+            </a:stretch>
+          </p:blipFill>
+          <p:spPr bwMode="auto">
+            <a:xfrm>
+              <a:off x="2761804" y="2977103"/>
+              <a:ext cx="423766" cy="146982"/>
+            </a:xfrm>
+            <a:prstGeom prst="rect">
+              <a:avLst/>
+            </a:prstGeom>
+            <a:noFill/>
+            <a:extLst>
+              <a:ext uri="{909E8E84-426E-40DD-AFC4-6F175D3DCCD1}">
+                <a14:hiddenFill xmlns:a14="http://schemas.microsoft.com/office/drawing/2010/main">
+                  <a:solidFill>
+                    <a:srgbClr val="FFFFFF"/>
+                  </a:solidFill>
+                </a14:hiddenFill>
+              </a:ext>
+            </a:extLst>
+          </p:spPr>
+        </p:pic>
+        <p:pic>
+          <p:nvPicPr>
+            <p:cNvPr id="26" name="Picture 2" descr="Everything You Need to Know About 220-Ohm Resistor Color Code">
+              <a:extLst>
+                <a:ext uri="{FF2B5EF4-FFF2-40B4-BE49-F238E27FC236}">
+                  <a16:creationId xmlns:a16="http://schemas.microsoft.com/office/drawing/2014/main" id="{46C88291-F410-F1DF-96CA-D8D871AF8742}"/>
+                </a:ext>
+              </a:extLst>
+            </p:cNvPr>
+            <p:cNvPicPr>
+              <a:picLocks noChangeAspect="1" noChangeArrowheads="1"/>
+            </p:cNvPicPr>
+            <p:nvPr/>
+          </p:nvPicPr>
+          <p:blipFill rotWithShape="1">
+            <a:blip r:embed="rId3">
+              <a:extLst>
+                <a:ext uri="{28A0092B-C50C-407E-A947-70E740481C1C}">
+                  <a14:useLocalDpi xmlns:a14="http://schemas.microsoft.com/office/drawing/2010/main" val="0"/>
+                </a:ext>
+              </a:extLst>
+            </a:blip>
+            <a:srcRect l="24224" t="46367" r="20822" b="34573"/>
+            <a:stretch>
+              <a:fillRect/>
+            </a:stretch>
+          </p:blipFill>
+          <p:spPr bwMode="auto">
+            <a:xfrm>
+              <a:off x="2761804" y="3157284"/>
+              <a:ext cx="423766" cy="146982"/>
+            </a:xfrm>
+            <a:prstGeom prst="rect">
+              <a:avLst/>
+            </a:prstGeom>
+            <a:noFill/>
+            <a:extLst>
+              <a:ext uri="{909E8E84-426E-40DD-AFC4-6F175D3DCCD1}">
+                <a14:hiddenFill xmlns:a14="http://schemas.microsoft.com/office/drawing/2010/main">
+                  <a:solidFill>
+                    <a:srgbClr val="FFFFFF"/>
+                  </a:solidFill>
+                </a14:hiddenFill>
+              </a:ext>
+            </a:extLst>
+          </p:spPr>
+        </p:pic>
+        <p:pic>
+          <p:nvPicPr>
+            <p:cNvPr id="27" name="Picture 2" descr="Everything You Need to Know About 220-Ohm Resistor Color Code">
+              <a:extLst>
+                <a:ext uri="{FF2B5EF4-FFF2-40B4-BE49-F238E27FC236}">
+                  <a16:creationId xmlns:a16="http://schemas.microsoft.com/office/drawing/2014/main" id="{5394BC3B-0AC3-FB46-DF6C-63BD02100C9A}"/>
+                </a:ext>
+              </a:extLst>
+            </p:cNvPr>
+            <p:cNvPicPr>
+              <a:picLocks noChangeAspect="1" noChangeArrowheads="1"/>
+            </p:cNvPicPr>
+            <p:nvPr/>
+          </p:nvPicPr>
+          <p:blipFill rotWithShape="1">
+            <a:blip r:embed="rId3">
+              <a:extLst>
+                <a:ext uri="{28A0092B-C50C-407E-A947-70E740481C1C}">
+                  <a14:useLocalDpi xmlns:a14="http://schemas.microsoft.com/office/drawing/2010/main" val="0"/>
+                </a:ext>
+              </a:extLst>
+            </a:blip>
+            <a:srcRect l="24224" t="46367" r="20822" b="34573"/>
+            <a:stretch>
+              <a:fillRect/>
+            </a:stretch>
+          </p:blipFill>
+          <p:spPr bwMode="auto">
+            <a:xfrm>
+              <a:off x="2761804" y="3335373"/>
+              <a:ext cx="423766" cy="146982"/>
+            </a:xfrm>
+            <a:prstGeom prst="rect">
+              <a:avLst/>
+            </a:prstGeom>
+            <a:noFill/>
+            <a:extLst>
+              <a:ext uri="{909E8E84-426E-40DD-AFC4-6F175D3DCCD1}">
+                <a14:hiddenFill xmlns:a14="http://schemas.microsoft.com/office/drawing/2010/main">
+                  <a:solidFill>
+                    <a:srgbClr val="FFFFFF"/>
+                  </a:solidFill>
+                </a14:hiddenFill>
+              </a:ext>
+            </a:extLst>
+          </p:spPr>
+        </p:pic>
+        <p:grpSp>
+          <p:nvGrpSpPr>
+            <p:cNvPr id="28" name="Grupo 27">
+              <a:extLst>
+                <a:ext uri="{FF2B5EF4-FFF2-40B4-BE49-F238E27FC236}">
+                  <a16:creationId xmlns:a16="http://schemas.microsoft.com/office/drawing/2014/main" id="{B0E06EDB-71E1-33B1-7031-6A1E54F5B7CF}"/>
+                </a:ext>
+              </a:extLst>
+            </p:cNvPr>
+            <p:cNvGrpSpPr/>
+            <p:nvPr/>
+          </p:nvGrpSpPr>
+          <p:grpSpPr>
+            <a:xfrm>
+              <a:off x="1614327" y="2818986"/>
+              <a:ext cx="784184" cy="784184"/>
+              <a:chOff x="1855627" y="2656722"/>
+              <a:chExt cx="784184" cy="784184"/>
+            </a:xfrm>
+          </p:grpSpPr>
+          <p:sp>
+            <p:nvSpPr>
+              <p:cNvPr id="9" name="Elipse 8">
+                <a:extLst>
+                  <a:ext uri="{FF2B5EF4-FFF2-40B4-BE49-F238E27FC236}">
+                    <a16:creationId xmlns:a16="http://schemas.microsoft.com/office/drawing/2014/main" id="{11003A3B-0829-43B0-BE2F-AC5B9C20C7AA}"/>
+                  </a:ext>
+                </a:extLst>
+              </p:cNvPr>
+              <p:cNvSpPr/>
+              <p:nvPr/>
+            </p:nvSpPr>
+            <p:spPr>
+              <a:xfrm>
+                <a:off x="1855627" y="2656722"/>
+                <a:ext cx="784184" cy="784184"/>
+              </a:xfrm>
+              <a:prstGeom prst="ellipse">
+                <a:avLst/>
+              </a:prstGeom>
+              <a:gradFill>
+                <a:gsLst>
+                  <a:gs pos="7000">
+                    <a:schemeClr val="accent6"/>
+                  </a:gs>
+                  <a:gs pos="55000">
+                    <a:srgbClr val="00B0F0"/>
+                  </a:gs>
+                  <a:gs pos="100000">
+                    <a:srgbClr val="FF0000"/>
+                  </a:gs>
+                </a:gsLst>
+                <a:lin ang="5400000" scaled="1"/>
+              </a:gradFill>
+              <a:ln>
+                <a:solidFill>
+                  <a:schemeClr val="tx1"/>
+                </a:solidFill>
+              </a:ln>
+            </p:spPr>
+            <p:style>
+              <a:lnRef idx="2">
+                <a:schemeClr val="accent1">
+                  <a:shade val="15000"/>
+                </a:schemeClr>
+              </a:lnRef>
+              <a:fillRef idx="1">
+                <a:schemeClr val="accent1"/>
+              </a:fillRef>
+              <a:effectRef idx="0">
+                <a:schemeClr val="accent1"/>
+              </a:effectRef>
+              <a:fontRef idx="minor">
+                <a:schemeClr val="lt1"/>
+              </a:fontRef>
+            </p:style>
+            <p:txBody>
+              <a:bodyPr rtlCol="0" anchor="ctr"/>
+              <a:lstStyle/>
+              <a:p>
+                <a:pPr algn="ctr"/>
+                <a:endParaRPr lang="en-US"/>
+              </a:p>
+            </p:txBody>
+          </p:sp>
+          <p:sp>
+            <p:nvSpPr>
+              <p:cNvPr id="10" name="Elipse 9">
+                <a:extLst>
+                  <a:ext uri="{FF2B5EF4-FFF2-40B4-BE49-F238E27FC236}">
+                    <a16:creationId xmlns:a16="http://schemas.microsoft.com/office/drawing/2014/main" id="{B61769FD-E9C4-BEA7-73CF-DDAEFDDF21DA}"/>
+                  </a:ext>
+                </a:extLst>
+              </p:cNvPr>
+              <p:cNvSpPr/>
+              <p:nvPr/>
+            </p:nvSpPr>
+            <p:spPr>
+              <a:xfrm>
+                <a:off x="1937136" y="2738231"/>
+                <a:ext cx="621166" cy="621166"/>
+              </a:xfrm>
+              <a:prstGeom prst="ellipse">
+                <a:avLst/>
+              </a:prstGeom>
+              <a:solidFill>
+                <a:schemeClr val="tx1"/>
+              </a:solidFill>
+              <a:ln>
+                <a:noFill/>
+              </a:ln>
+            </p:spPr>
+            <p:style>
+              <a:lnRef idx="2">
+                <a:schemeClr val="accent1">
+                  <a:shade val="15000"/>
+                </a:schemeClr>
+              </a:lnRef>
+              <a:fillRef idx="1">
+                <a:schemeClr val="accent1"/>
+              </a:fillRef>
+              <a:effectRef idx="0">
+                <a:schemeClr val="accent1"/>
+              </a:effectRef>
+              <a:fontRef idx="minor">
+                <a:schemeClr val="lt1"/>
+              </a:fontRef>
+            </p:style>
+            <p:txBody>
+              <a:bodyPr rtlCol="0" anchor="ctr"/>
+              <a:lstStyle/>
+              <a:p>
+                <a:pPr algn="ctr"/>
+                <a:endParaRPr lang="en-US"/>
+              </a:p>
+            </p:txBody>
+          </p:sp>
+        </p:grpSp>
+        <p:sp>
+          <p:nvSpPr>
+            <p:cNvPr id="30" name="Forma libre: forma 29">
+              <a:extLst>
+                <a:ext uri="{FF2B5EF4-FFF2-40B4-BE49-F238E27FC236}">
+                  <a16:creationId xmlns:a16="http://schemas.microsoft.com/office/drawing/2014/main" id="{8F424DBA-D587-855A-39ED-C85EFBB153B1}"/>
+                </a:ext>
+              </a:extLst>
+            </p:cNvPr>
+            <p:cNvSpPr/>
+            <p:nvPr/>
+          </p:nvSpPr>
+          <p:spPr>
+            <a:xfrm>
+              <a:off x="5470071" y="1265350"/>
+              <a:ext cx="2706689" cy="1756228"/>
+            </a:xfrm>
+            <a:custGeom>
+              <a:avLst/>
+              <a:gdLst>
+                <a:gd name="csX0" fmla="*/ 0 w 2837543"/>
+                <a:gd name="csY0" fmla="*/ 1335314 h 1756228"/>
+                <a:gd name="csX1" fmla="*/ 166915 w 2837543"/>
+                <a:gd name="csY1" fmla="*/ 1335314 h 1756228"/>
+                <a:gd name="csX2" fmla="*/ 166915 w 2837543"/>
+                <a:gd name="csY2" fmla="*/ 1756228 h 1756228"/>
+                <a:gd name="csX3" fmla="*/ 1168400 w 2837543"/>
+                <a:gd name="csY3" fmla="*/ 1756228 h 1756228"/>
+                <a:gd name="csX4" fmla="*/ 1168400 w 2837543"/>
+                <a:gd name="csY4" fmla="*/ 0 h 1756228"/>
+                <a:gd name="csX5" fmla="*/ 2837543 w 2837543"/>
+                <a:gd name="csY5" fmla="*/ 0 h 1756228"/>
+              </a:gdLst>
+              <a:ahLst/>
+              <a:cxnLst>
+                <a:cxn ang="0">
+                  <a:pos x="csX0" y="csY0"/>
+                </a:cxn>
+                <a:cxn ang="0">
+                  <a:pos x="csX1" y="csY1"/>
+                </a:cxn>
+                <a:cxn ang="0">
+                  <a:pos x="csX2" y="csY2"/>
+                </a:cxn>
+                <a:cxn ang="0">
+                  <a:pos x="csX3" y="csY3"/>
+                </a:cxn>
+                <a:cxn ang="0">
+                  <a:pos x="csX4" y="csY4"/>
+                </a:cxn>
+                <a:cxn ang="0">
+                  <a:pos x="csX5" y="csY5"/>
+                </a:cxn>
+              </a:cxnLst>
+              <a:rect l="l" t="t" r="r" b="b"/>
+              <a:pathLst>
+                <a:path w="2837543" h="1756228">
+                  <a:moveTo>
+                    <a:pt x="0" y="1335314"/>
+                  </a:moveTo>
+                  <a:lnTo>
+                    <a:pt x="166915" y="1335314"/>
+                  </a:lnTo>
+                  <a:lnTo>
+                    <a:pt x="166915" y="1756228"/>
+                  </a:lnTo>
+                  <a:lnTo>
+                    <a:pt x="1168400" y="1756228"/>
+                  </a:lnTo>
+                  <a:lnTo>
+                    <a:pt x="1168400" y="0"/>
+                  </a:lnTo>
+                  <a:lnTo>
+                    <a:pt x="2837543" y="0"/>
+                  </a:lnTo>
+                </a:path>
+              </a:pathLst>
+            </a:custGeom>
+            <a:noFill/>
+            <a:ln>
+              <a:solidFill>
+                <a:schemeClr val="accent3"/>
+              </a:solidFill>
+            </a:ln>
+          </p:spPr>
+          <p:style>
+            <a:lnRef idx="2">
+              <a:schemeClr val="accent1">
+                <a:shade val="15000"/>
+              </a:schemeClr>
+            </a:lnRef>
+            <a:fillRef idx="1">
+              <a:schemeClr val="accent1"/>
+            </a:fillRef>
+            <a:effectRef idx="0">
+              <a:schemeClr val="accent1"/>
+            </a:effectRef>
+            <a:fontRef idx="minor">
+              <a:schemeClr val="lt1"/>
+            </a:fontRef>
+          </p:style>
+          <p:txBody>
+            <a:bodyPr rtlCol="0" anchor="ctr"/>
+            <a:lstStyle/>
+            <a:p>
+              <a:pPr algn="ctr"/>
+              <a:endParaRPr lang="en-US"/>
+            </a:p>
+          </p:txBody>
+        </p:sp>
+        <p:sp>
+          <p:nvSpPr>
+            <p:cNvPr id="31" name="Forma libre: forma 30">
+              <a:extLst>
+                <a:ext uri="{FF2B5EF4-FFF2-40B4-BE49-F238E27FC236}">
+                  <a16:creationId xmlns:a16="http://schemas.microsoft.com/office/drawing/2014/main" id="{4CF70869-A77F-2349-21EE-5ABB6603A048}"/>
+                </a:ext>
+              </a:extLst>
+            </p:cNvPr>
+            <p:cNvSpPr/>
+            <p:nvPr/>
+          </p:nvSpPr>
+          <p:spPr>
+            <a:xfrm>
+              <a:off x="2787651" y="1414802"/>
+              <a:ext cx="5183422" cy="0"/>
+            </a:xfrm>
+            <a:custGeom>
+              <a:avLst/>
+              <a:gdLst>
+                <a:gd name="csX0" fmla="*/ 0 w 5434013"/>
+                <a:gd name="csY0" fmla="*/ 0 h 0"/>
+                <a:gd name="csX1" fmla="*/ 5434013 w 5434013"/>
+                <a:gd name="csY1" fmla="*/ 0 h 0"/>
+              </a:gdLst>
+              <a:ahLst/>
+              <a:cxnLst>
+                <a:cxn ang="0">
+                  <a:pos x="csX0" y="csY0"/>
+                </a:cxn>
+                <a:cxn ang="0">
+                  <a:pos x="csX1" y="csY1"/>
+                </a:cxn>
+              </a:cxnLst>
+              <a:rect l="l" t="t" r="r" b="b"/>
+              <a:pathLst>
+                <a:path w="5434013">
+                  <a:moveTo>
+                    <a:pt x="0" y="0"/>
+                  </a:moveTo>
+                  <a:lnTo>
+                    <a:pt x="5434013" y="0"/>
+                  </a:lnTo>
+                </a:path>
+              </a:pathLst>
+            </a:custGeom>
+            <a:noFill/>
+          </p:spPr>
+          <p:style>
+            <a:lnRef idx="2">
+              <a:schemeClr val="accent1">
+                <a:shade val="15000"/>
+              </a:schemeClr>
+            </a:lnRef>
+            <a:fillRef idx="1">
+              <a:schemeClr val="accent1"/>
+            </a:fillRef>
+            <a:effectRef idx="0">
+              <a:schemeClr val="accent1"/>
+            </a:effectRef>
+            <a:fontRef idx="minor">
+              <a:schemeClr val="lt1"/>
+            </a:fontRef>
+          </p:style>
+          <p:txBody>
+            <a:bodyPr rtlCol="0" anchor="ctr"/>
+            <a:lstStyle/>
+            <a:p>
+              <a:pPr algn="ctr"/>
+              <a:endParaRPr lang="en-US"/>
+            </a:p>
+          </p:txBody>
+        </p:sp>
+        <p:sp>
+          <p:nvSpPr>
+            <p:cNvPr id="32" name="Forma libre: forma 31">
+              <a:extLst>
+                <a:ext uri="{FF2B5EF4-FFF2-40B4-BE49-F238E27FC236}">
+                  <a16:creationId xmlns:a16="http://schemas.microsoft.com/office/drawing/2014/main" id="{55F47CCB-0DF9-4DC8-C6FC-989E1C841EEA}"/>
+                </a:ext>
+              </a:extLst>
+            </p:cNvPr>
+            <p:cNvSpPr/>
+            <p:nvPr/>
+          </p:nvSpPr>
+          <p:spPr>
+            <a:xfrm>
+              <a:off x="2951843" y="1120207"/>
+              <a:ext cx="5184936" cy="0"/>
+            </a:xfrm>
+            <a:custGeom>
+              <a:avLst/>
+              <a:gdLst>
+                <a:gd name="csX0" fmla="*/ 0 w 5435600"/>
+                <a:gd name="csY0" fmla="*/ 0 h 0"/>
+                <a:gd name="csX1" fmla="*/ 5435600 w 5435600"/>
+                <a:gd name="csY1" fmla="*/ 0 h 0"/>
+              </a:gdLst>
+              <a:ahLst/>
+              <a:cxnLst>
+                <a:cxn ang="0">
+                  <a:pos x="csX0" y="csY0"/>
+                </a:cxn>
+                <a:cxn ang="0">
+                  <a:pos x="csX1" y="csY1"/>
+                </a:cxn>
+              </a:cxnLst>
+              <a:rect l="l" t="t" r="r" b="b"/>
+              <a:pathLst>
+                <a:path w="5435600">
+                  <a:moveTo>
+                    <a:pt x="0" y="0"/>
+                  </a:moveTo>
+                  <a:lnTo>
+                    <a:pt x="5435600" y="0"/>
+                  </a:lnTo>
+                </a:path>
+              </a:pathLst>
+            </a:custGeom>
+            <a:noFill/>
+            <a:ln>
+              <a:solidFill>
+                <a:srgbClr val="C00000"/>
+              </a:solidFill>
+            </a:ln>
+          </p:spPr>
+          <p:style>
+            <a:lnRef idx="2">
+              <a:schemeClr val="accent1">
+                <a:shade val="15000"/>
+              </a:schemeClr>
+            </a:lnRef>
+            <a:fillRef idx="1">
+              <a:schemeClr val="accent1"/>
+            </a:fillRef>
+            <a:effectRef idx="0">
+              <a:schemeClr val="accent1"/>
+            </a:effectRef>
+            <a:fontRef idx="minor">
+              <a:schemeClr val="lt1"/>
+            </a:fontRef>
+          </p:style>
+          <p:txBody>
+            <a:bodyPr rtlCol="0" anchor="ctr"/>
+            <a:lstStyle/>
+            <a:p>
+              <a:pPr algn="ctr"/>
+              <a:endParaRPr lang="en-US" dirty="0"/>
+            </a:p>
+          </p:txBody>
+        </p:sp>
+        <p:sp>
+          <p:nvSpPr>
+            <p:cNvPr id="33" name="Elipse 32">
+              <a:extLst>
+                <a:ext uri="{FF2B5EF4-FFF2-40B4-BE49-F238E27FC236}">
+                  <a16:creationId xmlns:a16="http://schemas.microsoft.com/office/drawing/2014/main" id="{F180006B-4A06-8AAE-E54A-4EB329CDD2DB}"/>
+                </a:ext>
+              </a:extLst>
+            </p:cNvPr>
+            <p:cNvSpPr/>
+            <p:nvPr/>
+          </p:nvSpPr>
+          <p:spPr>
+            <a:xfrm>
+              <a:off x="2904770" y="1079907"/>
+              <a:ext cx="81122" cy="81122"/>
+            </a:xfrm>
+            <a:prstGeom prst="ellipse">
+              <a:avLst/>
+            </a:prstGeom>
+            <a:solidFill>
+              <a:srgbClr val="C00000"/>
+            </a:solidFill>
+            <a:ln>
+              <a:noFill/>
+            </a:ln>
+          </p:spPr>
+          <p:style>
+            <a:lnRef idx="2">
+              <a:schemeClr val="accent1">
+                <a:shade val="15000"/>
+              </a:schemeClr>
+            </a:lnRef>
+            <a:fillRef idx="1">
+              <a:schemeClr val="accent1"/>
+            </a:fillRef>
+            <a:effectRef idx="0">
+              <a:schemeClr val="accent1"/>
+            </a:effectRef>
+            <a:fontRef idx="minor">
+              <a:schemeClr val="lt1"/>
+            </a:fontRef>
+          </p:style>
+          <p:txBody>
+            <a:bodyPr rtlCol="0" anchor="ctr"/>
+            <a:lstStyle/>
+            <a:p>
+              <a:pPr algn="ctr"/>
+              <a:endParaRPr lang="en-US"/>
+            </a:p>
+          </p:txBody>
+        </p:sp>
+        <p:grpSp>
+          <p:nvGrpSpPr>
+            <p:cNvPr id="38" name="Grupo 37">
+              <a:extLst>
+                <a:ext uri="{FF2B5EF4-FFF2-40B4-BE49-F238E27FC236}">
+                  <a16:creationId xmlns:a16="http://schemas.microsoft.com/office/drawing/2014/main" id="{6E06AF2F-F4F7-6277-3568-55FCE7FA85F8}"/>
+                </a:ext>
+              </a:extLst>
+            </p:cNvPr>
+            <p:cNvGrpSpPr/>
+            <p:nvPr/>
+          </p:nvGrpSpPr>
+          <p:grpSpPr>
+            <a:xfrm>
+              <a:off x="7974692" y="1179843"/>
+              <a:ext cx="1166813" cy="868371"/>
+              <a:chOff x="8502650" y="1017579"/>
+              <a:chExt cx="1166813" cy="868371"/>
+            </a:xfrm>
+          </p:grpSpPr>
+          <p:sp>
+            <p:nvSpPr>
+              <p:cNvPr id="35" name="Forma libre: forma 34">
+                <a:extLst>
+                  <a:ext uri="{FF2B5EF4-FFF2-40B4-BE49-F238E27FC236}">
+                    <a16:creationId xmlns:a16="http://schemas.microsoft.com/office/drawing/2014/main" id="{8660B9AE-032B-E928-310C-3C19C12FAA71}"/>
+                  </a:ext>
+                </a:extLst>
+              </p:cNvPr>
+              <p:cNvSpPr/>
+              <p:nvPr/>
+            </p:nvSpPr>
+            <p:spPr>
+              <a:xfrm>
+                <a:off x="8502650" y="1270000"/>
+                <a:ext cx="927100" cy="615950"/>
+              </a:xfrm>
+              <a:custGeom>
+                <a:avLst/>
+                <a:gdLst>
+                  <a:gd name="csX0" fmla="*/ 0 w 927100"/>
+                  <a:gd name="csY0" fmla="*/ 0 h 615950"/>
+                  <a:gd name="csX1" fmla="*/ 927100 w 927100"/>
+                  <a:gd name="csY1" fmla="*/ 615950 h 615950"/>
+                </a:gdLst>
+                <a:ahLst/>
+                <a:cxnLst>
+                  <a:cxn ang="0">
+                    <a:pos x="csX0" y="csY0"/>
+                  </a:cxn>
+                  <a:cxn ang="0">
+                    <a:pos x="csX1" y="csY1"/>
+                  </a:cxn>
+                </a:cxnLst>
+                <a:rect l="l" t="t" r="r" b="b"/>
+                <a:pathLst>
+                  <a:path w="927100" h="615950">
+                    <a:moveTo>
+                      <a:pt x="0" y="0"/>
+                    </a:moveTo>
+                    <a:lnTo>
+                      <a:pt x="927100" y="615950"/>
+                    </a:lnTo>
+                  </a:path>
+                </a:pathLst>
+              </a:custGeom>
+              <a:noFill/>
+            </p:spPr>
+            <p:style>
+              <a:lnRef idx="2">
+                <a:schemeClr val="accent1">
+                  <a:shade val="15000"/>
+                </a:schemeClr>
+              </a:lnRef>
+              <a:fillRef idx="1">
+                <a:schemeClr val="accent1"/>
+              </a:fillRef>
+              <a:effectRef idx="0">
+                <a:schemeClr val="accent1"/>
+              </a:effectRef>
+              <a:fontRef idx="minor">
+                <a:schemeClr val="lt1"/>
+              </a:fontRef>
+            </p:style>
+            <p:txBody>
+              <a:bodyPr rtlCol="0" anchor="ctr"/>
+              <a:lstStyle/>
+              <a:p>
+                <a:pPr algn="ctr"/>
+                <a:endParaRPr lang="en-US"/>
+              </a:p>
+            </p:txBody>
+          </p:sp>
+          <p:sp>
+            <p:nvSpPr>
+              <p:cNvPr id="36" name="Forma libre: forma 35">
+                <a:extLst>
+                  <a:ext uri="{FF2B5EF4-FFF2-40B4-BE49-F238E27FC236}">
+                    <a16:creationId xmlns:a16="http://schemas.microsoft.com/office/drawing/2014/main" id="{37D4581A-77C5-1A3B-8835-C2E222EA6622}"/>
+                  </a:ext>
+                </a:extLst>
+              </p:cNvPr>
+              <p:cNvSpPr/>
+              <p:nvPr/>
+            </p:nvSpPr>
+            <p:spPr>
+              <a:xfrm>
+                <a:off x="8615023" y="1150258"/>
+                <a:ext cx="927100" cy="615950"/>
+              </a:xfrm>
+              <a:custGeom>
+                <a:avLst/>
+                <a:gdLst>
+                  <a:gd name="csX0" fmla="*/ 0 w 927100"/>
+                  <a:gd name="csY0" fmla="*/ 0 h 615950"/>
+                  <a:gd name="csX1" fmla="*/ 927100 w 927100"/>
+                  <a:gd name="csY1" fmla="*/ 615950 h 615950"/>
+                </a:gdLst>
+                <a:ahLst/>
+                <a:cxnLst>
+                  <a:cxn ang="0">
+                    <a:pos x="csX0" y="csY0"/>
+                  </a:cxn>
+                  <a:cxn ang="0">
+                    <a:pos x="csX1" y="csY1"/>
+                  </a:cxn>
+                </a:cxnLst>
+                <a:rect l="l" t="t" r="r" b="b"/>
+                <a:pathLst>
+                  <a:path w="927100" h="615950">
+                    <a:moveTo>
+                      <a:pt x="0" y="0"/>
+                    </a:moveTo>
+                    <a:lnTo>
+                      <a:pt x="927100" y="615950"/>
+                    </a:lnTo>
+                  </a:path>
+                </a:pathLst>
+              </a:custGeom>
+              <a:noFill/>
+              <a:ln>
+                <a:solidFill>
+                  <a:schemeClr val="accent3"/>
+                </a:solidFill>
+              </a:ln>
+            </p:spPr>
+            <p:style>
+              <a:lnRef idx="2">
+                <a:schemeClr val="accent1">
+                  <a:shade val="15000"/>
+                </a:schemeClr>
+              </a:lnRef>
+              <a:fillRef idx="1">
+                <a:schemeClr val="accent1"/>
+              </a:fillRef>
+              <a:effectRef idx="0">
+                <a:schemeClr val="accent1"/>
+              </a:effectRef>
+              <a:fontRef idx="minor">
+                <a:schemeClr val="lt1"/>
+              </a:fontRef>
+            </p:style>
+            <p:txBody>
+              <a:bodyPr rtlCol="0" anchor="ctr"/>
+              <a:lstStyle/>
+              <a:p>
+                <a:pPr algn="ctr"/>
+                <a:endParaRPr lang="en-US"/>
+              </a:p>
+            </p:txBody>
+          </p:sp>
+          <p:sp>
+            <p:nvSpPr>
+              <p:cNvPr id="37" name="Forma libre: forma 36">
+                <a:extLst>
+                  <a:ext uri="{FF2B5EF4-FFF2-40B4-BE49-F238E27FC236}">
+                    <a16:creationId xmlns:a16="http://schemas.microsoft.com/office/drawing/2014/main" id="{D5B8B215-033F-DE3C-2097-236D1359C74F}"/>
+                  </a:ext>
+                </a:extLst>
+              </p:cNvPr>
+              <p:cNvSpPr/>
+              <p:nvPr/>
+            </p:nvSpPr>
+            <p:spPr>
+              <a:xfrm>
+                <a:off x="8742363" y="1017579"/>
+                <a:ext cx="927100" cy="615950"/>
+              </a:xfrm>
+              <a:custGeom>
+                <a:avLst/>
+                <a:gdLst>
+                  <a:gd name="csX0" fmla="*/ 0 w 927100"/>
+                  <a:gd name="csY0" fmla="*/ 0 h 615950"/>
+                  <a:gd name="csX1" fmla="*/ 927100 w 927100"/>
+                  <a:gd name="csY1" fmla="*/ 615950 h 615950"/>
+                </a:gdLst>
+                <a:ahLst/>
+                <a:cxnLst>
+                  <a:cxn ang="0">
+                    <a:pos x="csX0" y="csY0"/>
+                  </a:cxn>
+                  <a:cxn ang="0">
+                    <a:pos x="csX1" y="csY1"/>
+                  </a:cxn>
+                </a:cxnLst>
+                <a:rect l="l" t="t" r="r" b="b"/>
+                <a:pathLst>
+                  <a:path w="927100" h="615950">
+                    <a:moveTo>
+                      <a:pt x="0" y="0"/>
+                    </a:moveTo>
+                    <a:lnTo>
+                      <a:pt x="927100" y="615950"/>
+                    </a:lnTo>
+                  </a:path>
+                </a:pathLst>
+              </a:custGeom>
+              <a:noFill/>
+              <a:ln>
+                <a:solidFill>
+                  <a:srgbClr val="C00000"/>
+                </a:solidFill>
+              </a:ln>
+            </p:spPr>
+            <p:style>
+              <a:lnRef idx="2">
+                <a:schemeClr val="accent1">
+                  <a:shade val="15000"/>
+                </a:schemeClr>
+              </a:lnRef>
+              <a:fillRef idx="1">
+                <a:schemeClr val="accent1"/>
+              </a:fillRef>
+              <a:effectRef idx="0">
+                <a:schemeClr val="accent1"/>
+              </a:effectRef>
+              <a:fontRef idx="minor">
+                <a:schemeClr val="lt1"/>
+              </a:fontRef>
+            </p:style>
+            <p:txBody>
+              <a:bodyPr rtlCol="0" anchor="ctr"/>
+              <a:lstStyle/>
+              <a:p>
+                <a:pPr algn="ctr"/>
+                <a:endParaRPr lang="en-US"/>
+              </a:p>
+            </p:txBody>
+          </p:sp>
+        </p:grpSp>
+        <p:grpSp>
+          <p:nvGrpSpPr>
+            <p:cNvPr id="34" name="Grupo 33">
+              <a:extLst>
+                <a:ext uri="{FF2B5EF4-FFF2-40B4-BE49-F238E27FC236}">
+                  <a16:creationId xmlns:a16="http://schemas.microsoft.com/office/drawing/2014/main" id="{1A2A24BB-365A-905C-63C9-151E160DF4AF}"/>
+                </a:ext>
+              </a:extLst>
+            </p:cNvPr>
+            <p:cNvGrpSpPr/>
+            <p:nvPr/>
+          </p:nvGrpSpPr>
+          <p:grpSpPr>
+            <a:xfrm>
+              <a:off x="7585528" y="599734"/>
+              <a:ext cx="3497943" cy="3497943"/>
+              <a:chOff x="8113486" y="437470"/>
+              <a:chExt cx="3497943" cy="3497943"/>
+            </a:xfrm>
+          </p:grpSpPr>
+          <p:sp>
+            <p:nvSpPr>
+              <p:cNvPr id="11" name="Círculo: vacío 10">
+                <a:extLst>
+                  <a:ext uri="{FF2B5EF4-FFF2-40B4-BE49-F238E27FC236}">
+                    <a16:creationId xmlns:a16="http://schemas.microsoft.com/office/drawing/2014/main" id="{2FC5AC96-F3F0-0C9E-88AB-6B3563FA2E15}"/>
+                  </a:ext>
+                </a:extLst>
+              </p:cNvPr>
+              <p:cNvSpPr/>
+              <p:nvPr/>
+            </p:nvSpPr>
+            <p:spPr>
+              <a:xfrm>
+                <a:off x="8113486" y="437470"/>
+                <a:ext cx="3497943" cy="3497943"/>
+              </a:xfrm>
+              <a:prstGeom prst="donut">
+                <a:avLst>
+                  <a:gd name="adj" fmla="val 7218"/>
+                </a:avLst>
+              </a:prstGeom>
+              <a:solidFill>
+                <a:srgbClr val="FFFFCC"/>
+              </a:solidFill>
+            </p:spPr>
+            <p:style>
+              <a:lnRef idx="2">
+                <a:schemeClr val="accent1">
+                  <a:shade val="15000"/>
+                </a:schemeClr>
+              </a:lnRef>
+              <a:fillRef idx="1">
+                <a:schemeClr val="accent1"/>
+              </a:fillRef>
+              <a:effectRef idx="0">
+                <a:schemeClr val="accent1"/>
+              </a:effectRef>
+              <a:fontRef idx="minor">
+                <a:schemeClr val="lt1"/>
+              </a:fontRef>
+            </p:style>
+            <p:txBody>
+              <a:bodyPr rtlCol="0" anchor="ctr"/>
+              <a:lstStyle/>
+              <a:p>
+                <a:pPr algn="ctr"/>
+                <a:endParaRPr lang="en-US">
+                  <a:solidFill>
+                    <a:schemeClr val="tx1"/>
+                  </a:solidFill>
+                </a:endParaRPr>
+              </a:p>
+            </p:txBody>
+          </p:sp>
+          <p:sp>
+            <p:nvSpPr>
+              <p:cNvPr id="12" name="Círculo: vacío 11">
+                <a:extLst>
+                  <a:ext uri="{FF2B5EF4-FFF2-40B4-BE49-F238E27FC236}">
+                    <a16:creationId xmlns:a16="http://schemas.microsoft.com/office/drawing/2014/main" id="{A4EF4233-D7D0-4384-FE53-F4071CBC7F22}"/>
+                  </a:ext>
+                </a:extLst>
+              </p:cNvPr>
+              <p:cNvSpPr/>
+              <p:nvPr/>
+            </p:nvSpPr>
+            <p:spPr>
+              <a:xfrm>
+                <a:off x="8507413" y="831170"/>
+                <a:ext cx="2706688" cy="2706688"/>
+              </a:xfrm>
+              <a:prstGeom prst="donut">
+                <a:avLst>
+                  <a:gd name="adj" fmla="val 8833"/>
+                </a:avLst>
+              </a:prstGeom>
+              <a:solidFill>
+                <a:srgbClr val="FFFFCC"/>
+              </a:solidFill>
+            </p:spPr>
+            <p:style>
+              <a:lnRef idx="2">
+                <a:schemeClr val="accent1">
+                  <a:shade val="15000"/>
+                </a:schemeClr>
+              </a:lnRef>
+              <a:fillRef idx="1">
+                <a:schemeClr val="accent1"/>
+              </a:fillRef>
+              <a:effectRef idx="0">
+                <a:schemeClr val="accent1"/>
+              </a:effectRef>
+              <a:fontRef idx="minor">
+                <a:schemeClr val="lt1"/>
+              </a:fontRef>
+            </p:style>
+            <p:txBody>
+              <a:bodyPr rtlCol="0" anchor="ctr"/>
+              <a:lstStyle/>
+              <a:p>
+                <a:pPr algn="ctr"/>
+                <a:endParaRPr lang="en-US">
+                  <a:solidFill>
+                    <a:schemeClr val="tx1"/>
+                  </a:solidFill>
+                </a:endParaRPr>
+              </a:p>
+            </p:txBody>
+          </p:sp>
+          <p:sp>
+            <p:nvSpPr>
+              <p:cNvPr id="13" name="Círculo: vacío 12">
+                <a:extLst>
+                  <a:ext uri="{FF2B5EF4-FFF2-40B4-BE49-F238E27FC236}">
+                    <a16:creationId xmlns:a16="http://schemas.microsoft.com/office/drawing/2014/main" id="{F908599A-BA05-EC10-0F22-A1A4A3F2C942}"/>
+                  </a:ext>
+                </a:extLst>
+              </p:cNvPr>
+              <p:cNvSpPr/>
+              <p:nvPr/>
+            </p:nvSpPr>
+            <p:spPr>
+              <a:xfrm>
+                <a:off x="8868229" y="1185636"/>
+                <a:ext cx="2001631" cy="2001631"/>
+              </a:xfrm>
+              <a:prstGeom prst="donut">
+                <a:avLst>
+                  <a:gd name="adj" fmla="val 12200"/>
+                </a:avLst>
+              </a:prstGeom>
+              <a:solidFill>
+                <a:srgbClr val="FFFFCC"/>
+              </a:solidFill>
+            </p:spPr>
+            <p:style>
+              <a:lnRef idx="2">
+                <a:schemeClr val="accent1">
+                  <a:shade val="15000"/>
+                </a:schemeClr>
+              </a:lnRef>
+              <a:fillRef idx="1">
+                <a:schemeClr val="accent1"/>
+              </a:fillRef>
+              <a:effectRef idx="0">
+                <a:schemeClr val="accent1"/>
+              </a:effectRef>
+              <a:fontRef idx="minor">
+                <a:schemeClr val="lt1"/>
+              </a:fontRef>
+            </p:style>
+            <p:txBody>
+              <a:bodyPr rtlCol="0" anchor="ctr"/>
+              <a:lstStyle/>
+              <a:p>
+                <a:pPr algn="ctr"/>
+                <a:endParaRPr lang="en-US">
+                  <a:solidFill>
+                    <a:schemeClr val="tx1"/>
+                  </a:solidFill>
+                </a:endParaRPr>
+              </a:p>
+            </p:txBody>
+          </p:sp>
+          <p:sp>
+            <p:nvSpPr>
+              <p:cNvPr id="14" name="Círculo: vacío 13">
+                <a:extLst>
+                  <a:ext uri="{FF2B5EF4-FFF2-40B4-BE49-F238E27FC236}">
+                    <a16:creationId xmlns:a16="http://schemas.microsoft.com/office/drawing/2014/main" id="{5E1D9AA2-9370-EB46-8E01-C6E861352CBE}"/>
+                  </a:ext>
+                </a:extLst>
+              </p:cNvPr>
+              <p:cNvSpPr/>
+              <p:nvPr/>
+            </p:nvSpPr>
+            <p:spPr>
+              <a:xfrm>
+                <a:off x="9238116" y="1549400"/>
+                <a:ext cx="1271824" cy="1271824"/>
+              </a:xfrm>
+              <a:prstGeom prst="donut">
+                <a:avLst>
+                  <a:gd name="adj" fmla="val 19089"/>
+                </a:avLst>
+              </a:prstGeom>
+              <a:solidFill>
+                <a:srgbClr val="FFFFCC"/>
+              </a:solidFill>
+            </p:spPr>
+            <p:style>
+              <a:lnRef idx="2">
+                <a:schemeClr val="accent1">
+                  <a:shade val="15000"/>
+                </a:schemeClr>
+              </a:lnRef>
+              <a:fillRef idx="1">
+                <a:schemeClr val="accent1"/>
+              </a:fillRef>
+              <a:effectRef idx="0">
+                <a:schemeClr val="accent1"/>
+              </a:effectRef>
+              <a:fontRef idx="minor">
+                <a:schemeClr val="lt1"/>
+              </a:fontRef>
+            </p:style>
+            <p:txBody>
+              <a:bodyPr rtlCol="0" anchor="ctr"/>
+              <a:lstStyle/>
+              <a:p>
+                <a:pPr algn="ctr"/>
+                <a:endParaRPr lang="en-US">
+                  <a:solidFill>
+                    <a:schemeClr val="tx1"/>
+                  </a:solidFill>
+                </a:endParaRPr>
+              </a:p>
+            </p:txBody>
+          </p:sp>
+        </p:grpSp>
+        <p:sp>
+          <p:nvSpPr>
+            <p:cNvPr id="39" name="CuadroTexto 38">
+              <a:extLst>
+                <a:ext uri="{FF2B5EF4-FFF2-40B4-BE49-F238E27FC236}">
+                  <a16:creationId xmlns:a16="http://schemas.microsoft.com/office/drawing/2014/main" id="{97A2E98B-941E-79B6-DA05-3FD396CD7962}"/>
+                </a:ext>
+              </a:extLst>
+            </p:cNvPr>
+            <p:cNvSpPr txBox="1"/>
+            <p:nvPr/>
+          </p:nvSpPr>
+          <p:spPr>
+            <a:xfrm>
+              <a:off x="2941210" y="732329"/>
+              <a:ext cx="466794" cy="369332"/>
+            </a:xfrm>
+            <a:prstGeom prst="rect">
+              <a:avLst/>
+            </a:prstGeom>
+            <a:noFill/>
+          </p:spPr>
+          <p:txBody>
+            <a:bodyPr wrap="none" rtlCol="0">
+              <a:spAutoFit/>
+            </a:bodyPr>
+            <a:lstStyle/>
+            <a:p>
+              <a:r>
+                <a:rPr lang="es-ES" dirty="0">
+                  <a:latin typeface="Arial" panose="020B0604020202020204" pitchFamily="34" charset="0"/>
+                  <a:cs typeface="Arial" panose="020B0604020202020204" pitchFamily="34" charset="0"/>
+                </a:rPr>
+                <a:t>5V</a:t>
+              </a:r>
+              <a:endParaRPr lang="en-US" dirty="0">
+                <a:latin typeface="Arial" panose="020B0604020202020204" pitchFamily="34" charset="0"/>
+                <a:cs typeface="Arial" panose="020B0604020202020204" pitchFamily="34" charset="0"/>
+              </a:endParaRPr>
+            </a:p>
+          </p:txBody>
+        </p:sp>
+        <p:sp>
+          <p:nvSpPr>
+            <p:cNvPr id="40" name="CuadroTexto 39">
+              <a:extLst>
+                <a:ext uri="{FF2B5EF4-FFF2-40B4-BE49-F238E27FC236}">
+                  <a16:creationId xmlns:a16="http://schemas.microsoft.com/office/drawing/2014/main" id="{1C27A694-977E-B2CB-9831-8A2ADBE86D3C}"/>
+                </a:ext>
+              </a:extLst>
+            </p:cNvPr>
+            <p:cNvSpPr txBox="1"/>
+            <p:nvPr/>
+          </p:nvSpPr>
+          <p:spPr>
+            <a:xfrm>
+              <a:off x="2103883" y="733418"/>
+              <a:ext cx="697627" cy="369332"/>
+            </a:xfrm>
+            <a:prstGeom prst="rect">
+              <a:avLst/>
+            </a:prstGeom>
+            <a:noFill/>
+          </p:spPr>
+          <p:txBody>
+            <a:bodyPr wrap="none" rtlCol="0">
+              <a:spAutoFit/>
+            </a:bodyPr>
+            <a:lstStyle/>
+            <a:p>
+              <a:r>
+                <a:rPr lang="es-ES" dirty="0">
+                  <a:latin typeface="Arial" panose="020B0604020202020204" pitchFamily="34" charset="0"/>
+                  <a:cs typeface="Arial" panose="020B0604020202020204" pitchFamily="34" charset="0"/>
+                </a:rPr>
+                <a:t>GND</a:t>
+              </a:r>
+              <a:endParaRPr lang="en-US" dirty="0">
+                <a:latin typeface="Arial" panose="020B0604020202020204" pitchFamily="34" charset="0"/>
+                <a:cs typeface="Arial" panose="020B0604020202020204" pitchFamily="34" charset="0"/>
+              </a:endParaRPr>
+            </a:p>
+          </p:txBody>
+        </p:sp>
+        <p:sp>
+          <p:nvSpPr>
+            <p:cNvPr id="41" name="CuadroTexto 40">
+              <a:extLst>
+                <a:ext uri="{FF2B5EF4-FFF2-40B4-BE49-F238E27FC236}">
+                  <a16:creationId xmlns:a16="http://schemas.microsoft.com/office/drawing/2014/main" id="{A4F43E96-EA8E-8D29-3949-CA4069BB0F01}"/>
+                </a:ext>
+              </a:extLst>
+            </p:cNvPr>
+            <p:cNvSpPr txBox="1"/>
+            <p:nvPr/>
+          </p:nvSpPr>
+          <p:spPr>
+            <a:xfrm>
+              <a:off x="2687584" y="2740884"/>
+              <a:ext cx="554960" cy="276999"/>
+            </a:xfrm>
+            <a:prstGeom prst="rect">
+              <a:avLst/>
+            </a:prstGeom>
+            <a:noFill/>
+          </p:spPr>
+          <p:txBody>
+            <a:bodyPr wrap="none" rtlCol="0">
+              <a:spAutoFit/>
+            </a:bodyPr>
+            <a:lstStyle/>
+            <a:p>
+              <a:r>
+                <a:rPr lang="es-ES" sz="1200" dirty="0">
+                  <a:latin typeface="Arial" panose="020B0604020202020204" pitchFamily="34" charset="0"/>
+                  <a:cs typeface="Arial" panose="020B0604020202020204" pitchFamily="34" charset="0"/>
+                </a:rPr>
+                <a:t>220</a:t>
+              </a:r>
+              <a:r>
+                <a:rPr lang="el-GR" sz="1200" dirty="0">
+                  <a:latin typeface="Arial" panose="020B0604020202020204" pitchFamily="34" charset="0"/>
+                  <a:cs typeface="Arial" panose="020B0604020202020204" pitchFamily="34" charset="0"/>
+                </a:rPr>
+                <a:t>Ω</a:t>
+              </a:r>
+              <a:endParaRPr lang="en-US" sz="1200" dirty="0">
+                <a:latin typeface="Arial" panose="020B0604020202020204" pitchFamily="34" charset="0"/>
+                <a:cs typeface="Arial" panose="020B0604020202020204" pitchFamily="34" charset="0"/>
+              </a:endParaRPr>
+            </a:p>
+          </p:txBody>
+        </p:sp>
+      </p:grpSp>
+    </p:spTree>
+    <p:extLst>
+      <p:ext uri="{BB962C8B-B14F-4D97-AF65-F5344CB8AC3E}">
+        <p14:creationId xmlns:p14="http://schemas.microsoft.com/office/powerpoint/2010/main" val="2748900290"/>
+      </p:ext>
+    </p:extLst>
+  </p:cSld>
+  <p:clrMapOvr>
+    <a:masterClrMapping/>
+  </p:clrMapOvr>
+</p:sld>
+</file>
+
 <file path=ppt/theme/theme1.xml><?xml version="1.0" encoding="utf-8"?>
 <a:theme xmlns:a="http://schemas.openxmlformats.org/drawingml/2006/main" name="Tema de Office">
   <a:themeElements>
